--- a/Fourth Year/SEM VIII/Industrial Psychology - Prof. Simran Sherifani/Ppt's/UNIT 1.pptx
+++ b/Fourth Year/SEM VIII/Industrial Psychology - Prof. Simran Sherifani/Ppt's/UNIT 1.pptx
@@ -5,10 +5,10 @@
     <p:sldMasterId id="2147483744" r:id="rId4"/>
   </p:sldMasterIdLst>
   <p:notesMasterIdLst>
-    <p:notesMasterId r:id="rId28"/>
+    <p:notesMasterId r:id="rId30"/>
   </p:notesMasterIdLst>
   <p:handoutMasterIdLst>
-    <p:handoutMasterId r:id="rId29"/>
+    <p:handoutMasterId r:id="rId31"/>
   </p:handoutMasterIdLst>
   <p:sldIdLst>
     <p:sldId id="256" r:id="rId5"/>
@@ -33,7 +33,9 @@
     <p:sldId id="293" r:id="rId24"/>
     <p:sldId id="294" r:id="rId25"/>
     <p:sldId id="295" r:id="rId26"/>
-    <p:sldId id="274" r:id="rId27"/>
+    <p:sldId id="296" r:id="rId27"/>
+    <p:sldId id="297" r:id="rId28"/>
+    <p:sldId id="274" r:id="rId29"/>
   </p:sldIdLst>
   <p:sldSz cx="12192000" cy="6858000"/>
   <p:notesSz cx="6858000" cy="9144000"/>
@@ -2282,6 +2284,13 @@
         </dgm:presLayoutVars>
       </dgm:prSet>
       <dgm:spPr/>
+      <dgm:t>
+        <a:bodyPr/>
+        <a:lstStyle/>
+        <a:p>
+          <a:endParaRPr lang="en-US"/>
+        </a:p>
+      </dgm:t>
     </dgm:pt>
     <dgm:pt modelId="{3D86B90E-A4DE-4648-8EEE-4955AF30D8E2}" type="pres">
       <dgm:prSet presAssocID="{9D36B1FC-D61E-455F-A01A-30049253BC3A}" presName="hierRoot1" presStyleCnt="0"/>
@@ -2302,6 +2311,13 @@
         </dgm:presLayoutVars>
       </dgm:prSet>
       <dgm:spPr/>
+      <dgm:t>
+        <a:bodyPr/>
+        <a:lstStyle/>
+        <a:p>
+          <a:endParaRPr lang="en-US"/>
+        </a:p>
+      </dgm:t>
     </dgm:pt>
     <dgm:pt modelId="{BDD6E696-32A1-442C-A879-08F38703119C}" type="pres">
       <dgm:prSet presAssocID="{9D36B1FC-D61E-455F-A01A-30049253BC3A}" presName="hierChild2" presStyleCnt="0"/>
@@ -2310,6 +2326,13 @@
     <dgm:pt modelId="{671AD64E-54E4-4C1F-9E8A-64D63C6EB36A}" type="pres">
       <dgm:prSet presAssocID="{ACC50D41-F8DA-4ECF-86E3-6C60B3CA9463}" presName="Name10" presStyleLbl="parChTrans1D2" presStyleIdx="0" presStyleCnt="2"/>
       <dgm:spPr/>
+      <dgm:t>
+        <a:bodyPr/>
+        <a:lstStyle/>
+        <a:p>
+          <a:endParaRPr lang="en-US"/>
+        </a:p>
+      </dgm:t>
     </dgm:pt>
     <dgm:pt modelId="{A100FC21-85DF-435D-87FC-2C8300743CC5}" type="pres">
       <dgm:prSet presAssocID="{4ED74F72-7C00-4E60-AC0F-ECFEC69BC63F}" presName="hierRoot2" presStyleCnt="0"/>
@@ -2345,6 +2368,13 @@
     <dgm:pt modelId="{6893AC0F-659B-4CFB-B49F-D4FC5E93D427}" type="pres">
       <dgm:prSet presAssocID="{E29C43A1-09E5-477D-A206-2DDB6C9239F5}" presName="Name17" presStyleLbl="parChTrans1D3" presStyleIdx="0" presStyleCnt="4"/>
       <dgm:spPr/>
+      <dgm:t>
+        <a:bodyPr/>
+        <a:lstStyle/>
+        <a:p>
+          <a:endParaRPr lang="en-US"/>
+        </a:p>
+      </dgm:t>
     </dgm:pt>
     <dgm:pt modelId="{15AFE479-7508-4553-ADF7-CFC57CEF6F14}" type="pres">
       <dgm:prSet presAssocID="{5B6EE010-A009-42AD-9925-9F241D59C7E8}" presName="hierRoot3" presStyleCnt="0"/>
@@ -2380,6 +2410,13 @@
     <dgm:pt modelId="{7433328D-FF54-48A3-A304-4DA1AE145D7E}" type="pres">
       <dgm:prSet presAssocID="{8305D735-D393-4CE8-86D7-132980C65D5A}" presName="Name17" presStyleLbl="parChTrans1D3" presStyleIdx="1" presStyleCnt="4"/>
       <dgm:spPr/>
+      <dgm:t>
+        <a:bodyPr/>
+        <a:lstStyle/>
+        <a:p>
+          <a:endParaRPr lang="en-US"/>
+        </a:p>
+      </dgm:t>
     </dgm:pt>
     <dgm:pt modelId="{76246941-B451-4C9D-AD2F-40D4C0A590F3}" type="pres">
       <dgm:prSet presAssocID="{19A6FEF7-3713-43A3-9A94-DC5741639FCD}" presName="hierRoot3" presStyleCnt="0"/>
@@ -2415,6 +2452,13 @@
     <dgm:pt modelId="{A257308D-E195-458B-BA84-271055E9321C}" type="pres">
       <dgm:prSet presAssocID="{D198D5E7-0857-4E0D-B136-21714E510A72}" presName="Name10" presStyleLbl="parChTrans1D2" presStyleIdx="1" presStyleCnt="2"/>
       <dgm:spPr/>
+      <dgm:t>
+        <a:bodyPr/>
+        <a:lstStyle/>
+        <a:p>
+          <a:endParaRPr lang="en-US"/>
+        </a:p>
+      </dgm:t>
     </dgm:pt>
     <dgm:pt modelId="{BC80C61F-1CEC-493F-9725-82E2C833D27D}" type="pres">
       <dgm:prSet presAssocID="{104161B2-F6F5-4AD2-88C6-7AA49A1CEBE4}" presName="hierRoot2" presStyleCnt="0"/>
@@ -2435,6 +2479,13 @@
         </dgm:presLayoutVars>
       </dgm:prSet>
       <dgm:spPr/>
+      <dgm:t>
+        <a:bodyPr/>
+        <a:lstStyle/>
+        <a:p>
+          <a:endParaRPr lang="en-US"/>
+        </a:p>
+      </dgm:t>
     </dgm:pt>
     <dgm:pt modelId="{82CC9F61-789A-4B9E-BEF4-41EB6303EFDE}" type="pres">
       <dgm:prSet presAssocID="{104161B2-F6F5-4AD2-88C6-7AA49A1CEBE4}" presName="hierChild3" presStyleCnt="0"/>
@@ -2443,6 +2494,13 @@
     <dgm:pt modelId="{5757111F-8F35-43DE-9B39-BBD9092B0824}" type="pres">
       <dgm:prSet presAssocID="{9196C5DE-F4B3-41F6-B727-08E9FEBE2D3E}" presName="Name17" presStyleLbl="parChTrans1D3" presStyleIdx="2" presStyleCnt="4"/>
       <dgm:spPr/>
+      <dgm:t>
+        <a:bodyPr/>
+        <a:lstStyle/>
+        <a:p>
+          <a:endParaRPr lang="en-US"/>
+        </a:p>
+      </dgm:t>
     </dgm:pt>
     <dgm:pt modelId="{D8B3BABD-239C-49C2-AB58-8B8FB2B9DFB2}" type="pres">
       <dgm:prSet presAssocID="{65BB47BB-C1C2-416D-B54A-60D4570D4D9D}" presName="hierRoot3" presStyleCnt="0"/>
@@ -2474,6 +2532,13 @@
         </dgm:presLayoutVars>
       </dgm:prSet>
       <dgm:spPr/>
+      <dgm:t>
+        <a:bodyPr/>
+        <a:lstStyle/>
+        <a:p>
+          <a:endParaRPr lang="en-US"/>
+        </a:p>
+      </dgm:t>
     </dgm:pt>
     <dgm:pt modelId="{C50BACC9-A0F5-4E4E-B1CE-FD3C484EFF92}" type="pres">
       <dgm:prSet presAssocID="{65BB47BB-C1C2-416D-B54A-60D4570D4D9D}" presName="hierChild4" presStyleCnt="0"/>
@@ -2482,6 +2547,13 @@
     <dgm:pt modelId="{1BABAD96-0ED4-4832-A481-38173DB6B6C7}" type="pres">
       <dgm:prSet presAssocID="{38B2CFE4-AC39-47D4-BB83-A3BC34ED85D0}" presName="Name17" presStyleLbl="parChTrans1D3" presStyleIdx="3" presStyleCnt="4"/>
       <dgm:spPr/>
+      <dgm:t>
+        <a:bodyPr/>
+        <a:lstStyle/>
+        <a:p>
+          <a:endParaRPr lang="en-US"/>
+        </a:p>
+      </dgm:t>
     </dgm:pt>
     <dgm:pt modelId="{6FD3DE76-51C0-4E72-BA6A-A406B1F2FEED}" type="pres">
       <dgm:prSet presAssocID="{AA8EA5B2-D99B-43ED-ACE3-DF1A2D9DDCA9}" presName="hierRoot3" presStyleCnt="0"/>
@@ -2839,16 +2911,16 @@
     </dgm:pt>
   </dgm:ptLst>
   <dgm:cxnLst>
+    <dgm:cxn modelId="{07255F8F-E750-4809-B2E3-86004AF36A17}" type="presOf" srcId="{14E755F3-7C64-4E83-B74F-C2FFE3F633F3}" destId="{9B7C0883-1CF4-43E3-8226-DBE2326CD7FA}" srcOrd="1" destOrd="0" presId="urn:microsoft.com/office/officeart/2005/8/layout/cycle8"/>
+    <dgm:cxn modelId="{DBCFC7AF-E2B6-4F79-A7B0-7078844827AD}" type="presOf" srcId="{35CF937F-D67D-476E-AB7C-3BB51CC5D1DC}" destId="{52700DCD-6052-4DD0-9B66-5A523FCAA75D}" srcOrd="1" destOrd="0" presId="urn:microsoft.com/office/officeart/2005/8/layout/cycle8"/>
     <dgm:cxn modelId="{93ECEF00-FAC3-4ECA-B250-DCA75A87D2A9}" type="presOf" srcId="{282E980F-61E4-43FD-A233-6E121CD84554}" destId="{19B5E458-D553-4553-8596-48C6372185A8}" srcOrd="1" destOrd="0" presId="urn:microsoft.com/office/officeart/2005/8/layout/cycle8"/>
+    <dgm:cxn modelId="{223D0F54-9A3C-4A0B-B921-300EA4A00C25}" type="presOf" srcId="{13F7EBA9-87CC-46A4-95C7-400A1B56BDA4}" destId="{AE517C4B-C884-46A8-B066-13F2F73DBABE}" srcOrd="0" destOrd="0" presId="urn:microsoft.com/office/officeart/2005/8/layout/cycle8"/>
+    <dgm:cxn modelId="{50FCB76E-B466-4C0A-A3E3-5089998A3577}" type="presOf" srcId="{14E755F3-7C64-4E83-B74F-C2FFE3F633F3}" destId="{41DDA2FA-3782-4B01-BD7F-A08C5519DF34}" srcOrd="0" destOrd="0" presId="urn:microsoft.com/office/officeart/2005/8/layout/cycle8"/>
     <dgm:cxn modelId="{0C20CD3D-9F0E-4302-889E-2060CD50AE7D}" type="presOf" srcId="{35CF937F-D67D-476E-AB7C-3BB51CC5D1DC}" destId="{6276F787-FA49-43E6-9F30-BE1B23A7EE16}" srcOrd="0" destOrd="0" presId="urn:microsoft.com/office/officeart/2005/8/layout/cycle8"/>
     <dgm:cxn modelId="{754C3D32-5B72-4A73-AFD8-FDD311AE7833}" type="presOf" srcId="{282E980F-61E4-43FD-A233-6E121CD84554}" destId="{3ED0A8A2-9FFB-4B58-AAFA-1920456344A2}" srcOrd="0" destOrd="0" presId="urn:microsoft.com/office/officeart/2005/8/layout/cycle8"/>
+    <dgm:cxn modelId="{50215F2F-DBFE-4E8B-8BA1-5F09046EF45C}" srcId="{13F7EBA9-87CC-46A4-95C7-400A1B56BDA4}" destId="{35CF937F-D67D-476E-AB7C-3BB51CC5D1DC}" srcOrd="1" destOrd="0" parTransId="{B40ECB5C-F4D6-4B97-BC57-DF5326B1EEFF}" sibTransId="{C3481120-D12F-4922-BF45-7A384CCF00D9}"/>
+    <dgm:cxn modelId="{6B80BD9E-740B-4C21-AF8F-AD62677D3FB0}" srcId="{13F7EBA9-87CC-46A4-95C7-400A1B56BDA4}" destId="{14E755F3-7C64-4E83-B74F-C2FFE3F633F3}" srcOrd="2" destOrd="0" parTransId="{6709B1F2-7D79-4318-9059-1B44B79F1ED9}" sibTransId="{87E3EC8B-005E-4C30-96D1-410D443D689A}"/>
     <dgm:cxn modelId="{93981484-F8D9-4111-B5FF-2EC17C188EFC}" srcId="{13F7EBA9-87CC-46A4-95C7-400A1B56BDA4}" destId="{282E980F-61E4-43FD-A233-6E121CD84554}" srcOrd="0" destOrd="0" parTransId="{91F9959D-89EF-44BD-8959-215012C18690}" sibTransId="{27FFA5F6-4783-4792-82E0-3BFF9E0CFAEC}"/>
-    <dgm:cxn modelId="{DBCFC7AF-E2B6-4F79-A7B0-7078844827AD}" type="presOf" srcId="{35CF937F-D67D-476E-AB7C-3BB51CC5D1DC}" destId="{52700DCD-6052-4DD0-9B66-5A523FCAA75D}" srcOrd="1" destOrd="0" presId="urn:microsoft.com/office/officeart/2005/8/layout/cycle8"/>
-    <dgm:cxn modelId="{223D0F54-9A3C-4A0B-B921-300EA4A00C25}" type="presOf" srcId="{13F7EBA9-87CC-46A4-95C7-400A1B56BDA4}" destId="{AE517C4B-C884-46A8-B066-13F2F73DBABE}" srcOrd="0" destOrd="0" presId="urn:microsoft.com/office/officeart/2005/8/layout/cycle8"/>
-    <dgm:cxn modelId="{6B80BD9E-740B-4C21-AF8F-AD62677D3FB0}" srcId="{13F7EBA9-87CC-46A4-95C7-400A1B56BDA4}" destId="{14E755F3-7C64-4E83-B74F-C2FFE3F633F3}" srcOrd="2" destOrd="0" parTransId="{6709B1F2-7D79-4318-9059-1B44B79F1ED9}" sibTransId="{87E3EC8B-005E-4C30-96D1-410D443D689A}"/>
-    <dgm:cxn modelId="{50FCB76E-B466-4C0A-A3E3-5089998A3577}" type="presOf" srcId="{14E755F3-7C64-4E83-B74F-C2FFE3F633F3}" destId="{41DDA2FA-3782-4B01-BD7F-A08C5519DF34}" srcOrd="0" destOrd="0" presId="urn:microsoft.com/office/officeart/2005/8/layout/cycle8"/>
-    <dgm:cxn modelId="{50215F2F-DBFE-4E8B-8BA1-5F09046EF45C}" srcId="{13F7EBA9-87CC-46A4-95C7-400A1B56BDA4}" destId="{35CF937F-D67D-476E-AB7C-3BB51CC5D1DC}" srcOrd="1" destOrd="0" parTransId="{B40ECB5C-F4D6-4B97-BC57-DF5326B1EEFF}" sibTransId="{C3481120-D12F-4922-BF45-7A384CCF00D9}"/>
-    <dgm:cxn modelId="{07255F8F-E750-4809-B2E3-86004AF36A17}" type="presOf" srcId="{14E755F3-7C64-4E83-B74F-C2FFE3F633F3}" destId="{9B7C0883-1CF4-43E3-8226-DBE2326CD7FA}" srcOrd="1" destOrd="0" presId="urn:microsoft.com/office/officeart/2005/8/layout/cycle8"/>
     <dgm:cxn modelId="{40007FA5-815B-4277-8136-FD3FD5C75A5C}" type="presParOf" srcId="{AE517C4B-C884-46A8-B066-13F2F73DBABE}" destId="{3ED0A8A2-9FFB-4B58-AAFA-1920456344A2}" srcOrd="0" destOrd="0" presId="urn:microsoft.com/office/officeart/2005/8/layout/cycle8"/>
     <dgm:cxn modelId="{6FB97632-0C8A-445F-8E0A-381238CC26AB}" type="presParOf" srcId="{AE517C4B-C884-46A8-B066-13F2F73DBABE}" destId="{315983F0-007C-4E96-A08D-8D92B8497F15}" srcOrd="1" destOrd="0" presId="urn:microsoft.com/office/officeart/2005/8/layout/cycle8"/>
     <dgm:cxn modelId="{DAAC7D51-8C48-4076-9446-3AC89F0786C5}" type="presParOf" srcId="{AE517C4B-C884-46A8-B066-13F2F73DBABE}" destId="{19DDFF19-75E3-4136-973C-C0E854F3B5FD}" srcOrd="2" destOrd="0" presId="urn:microsoft.com/office/officeart/2005/8/layout/cycle8"/>
@@ -2883,1281 +2955,6 @@
       <dsp:cNvGrpSpPr/>
     </dsp:nvGrpSpPr>
     <dsp:grpSpPr/>
-    <dsp:sp modelId="{1BABAD96-0ED4-4832-A481-38173DB6B6C7}">
-      <dsp:nvSpPr>
-        <dsp:cNvPr id="0" name=""/>
-        <dsp:cNvSpPr/>
-      </dsp:nvSpPr>
-      <dsp:spPr>
-        <a:xfrm>
-          <a:off x="7090533" y="3534375"/>
-          <a:ext cx="1218205" cy="579755"/>
-        </a:xfrm>
-        <a:custGeom>
-          <a:avLst/>
-          <a:gdLst/>
-          <a:ahLst/>
-          <a:cxnLst/>
-          <a:rect l="0" t="0" r="0" b="0"/>
-          <a:pathLst>
-            <a:path>
-              <a:moveTo>
-                <a:pt x="0" y="0"/>
-              </a:moveTo>
-              <a:lnTo>
-                <a:pt x="0" y="395086"/>
-              </a:lnTo>
-              <a:lnTo>
-                <a:pt x="1218205" y="395086"/>
-              </a:lnTo>
-              <a:lnTo>
-                <a:pt x="1218205" y="579755"/>
-              </a:lnTo>
-            </a:path>
-          </a:pathLst>
-        </a:custGeom>
-        <a:noFill/>
-        <a:ln w="19050" cap="rnd" cmpd="sng" algn="ctr">
-          <a:solidFill>
-            <a:schemeClr val="accent3">
-              <a:hueOff val="0"/>
-              <a:satOff val="0"/>
-              <a:lumOff val="0"/>
-              <a:alphaOff val="0"/>
-            </a:schemeClr>
-          </a:solidFill>
-          <a:prstDash val="solid"/>
-        </a:ln>
-        <a:effectLst/>
-      </dsp:spPr>
-      <dsp:style>
-        <a:lnRef idx="2">
-          <a:scrgbClr r="0" g="0" b="0"/>
-        </a:lnRef>
-        <a:fillRef idx="0">
-          <a:scrgbClr r="0" g="0" b="0"/>
-        </a:fillRef>
-        <a:effectRef idx="0">
-          <a:scrgbClr r="0" g="0" b="0"/>
-        </a:effectRef>
-        <a:fontRef idx="minor"/>
-      </dsp:style>
-    </dsp:sp>
-    <dsp:sp modelId="{5757111F-8F35-43DE-9B39-BBD9092B0824}">
-      <dsp:nvSpPr>
-        <dsp:cNvPr id="0" name=""/>
-        <dsp:cNvSpPr/>
-      </dsp:nvSpPr>
-      <dsp:spPr>
-        <a:xfrm>
-          <a:off x="5939386" y="3534375"/>
-          <a:ext cx="1151146" cy="610324"/>
-        </a:xfrm>
-        <a:custGeom>
-          <a:avLst/>
-          <a:gdLst/>
-          <a:ahLst/>
-          <a:cxnLst/>
-          <a:rect l="0" t="0" r="0" b="0"/>
-          <a:pathLst>
-            <a:path>
-              <a:moveTo>
-                <a:pt x="1151146" y="0"/>
-              </a:moveTo>
-              <a:lnTo>
-                <a:pt x="1151146" y="425655"/>
-              </a:lnTo>
-              <a:lnTo>
-                <a:pt x="0" y="425655"/>
-              </a:lnTo>
-              <a:lnTo>
-                <a:pt x="0" y="610324"/>
-              </a:lnTo>
-            </a:path>
-          </a:pathLst>
-        </a:custGeom>
-        <a:noFill/>
-        <a:ln w="19050" cap="rnd" cmpd="sng" algn="ctr">
-          <a:solidFill>
-            <a:schemeClr val="accent3">
-              <a:hueOff val="0"/>
-              <a:satOff val="0"/>
-              <a:lumOff val="0"/>
-              <a:alphaOff val="0"/>
-            </a:schemeClr>
-          </a:solidFill>
-          <a:prstDash val="solid"/>
-        </a:ln>
-        <a:effectLst/>
-      </dsp:spPr>
-      <dsp:style>
-        <a:lnRef idx="2">
-          <a:scrgbClr r="0" g="0" b="0"/>
-        </a:lnRef>
-        <a:fillRef idx="0">
-          <a:scrgbClr r="0" g="0" b="0"/>
-        </a:fillRef>
-        <a:effectRef idx="0">
-          <a:scrgbClr r="0" g="0" b="0"/>
-        </a:effectRef>
-        <a:fontRef idx="minor"/>
-      </dsp:style>
-    </dsp:sp>
-    <dsp:sp modelId="{A257308D-E195-458B-BA84-271055E9321C}">
-      <dsp:nvSpPr>
-        <dsp:cNvPr id="0" name=""/>
-        <dsp:cNvSpPr/>
-      </dsp:nvSpPr>
-      <dsp:spPr>
-        <a:xfrm>
-          <a:off x="4468155" y="1626806"/>
-          <a:ext cx="2622377" cy="641742"/>
-        </a:xfrm>
-        <a:custGeom>
-          <a:avLst/>
-          <a:gdLst/>
-          <a:ahLst/>
-          <a:cxnLst/>
-          <a:rect l="0" t="0" r="0" b="0"/>
-          <a:pathLst>
-            <a:path>
-              <a:moveTo>
-                <a:pt x="0" y="0"/>
-              </a:moveTo>
-              <a:lnTo>
-                <a:pt x="0" y="457073"/>
-              </a:lnTo>
-              <a:lnTo>
-                <a:pt x="2622377" y="457073"/>
-              </a:lnTo>
-              <a:lnTo>
-                <a:pt x="2622377" y="641742"/>
-              </a:lnTo>
-            </a:path>
-          </a:pathLst>
-        </a:custGeom>
-        <a:noFill/>
-        <a:ln w="19050" cap="rnd" cmpd="sng" algn="ctr">
-          <a:solidFill>
-            <a:schemeClr val="accent2">
-              <a:hueOff val="0"/>
-              <a:satOff val="0"/>
-              <a:lumOff val="0"/>
-              <a:alphaOff val="0"/>
-            </a:schemeClr>
-          </a:solidFill>
-          <a:prstDash val="solid"/>
-        </a:ln>
-        <a:effectLst/>
-      </dsp:spPr>
-      <dsp:style>
-        <a:lnRef idx="2">
-          <a:scrgbClr r="0" g="0" b="0"/>
-        </a:lnRef>
-        <a:fillRef idx="0">
-          <a:scrgbClr r="0" g="0" b="0"/>
-        </a:fillRef>
-        <a:effectRef idx="0">
-          <a:scrgbClr r="0" g="0" b="0"/>
-        </a:effectRef>
-        <a:fontRef idx="minor"/>
-      </dsp:style>
-    </dsp:sp>
-    <dsp:sp modelId="{7433328D-FF54-48A3-A304-4DA1AE145D7E}">
-      <dsp:nvSpPr>
-        <dsp:cNvPr id="0" name=""/>
-        <dsp:cNvSpPr/>
-      </dsp:nvSpPr>
-      <dsp:spPr>
-        <a:xfrm>
-          <a:off x="2217711" y="3534375"/>
-          <a:ext cx="1218205" cy="579755"/>
-        </a:xfrm>
-        <a:custGeom>
-          <a:avLst/>
-          <a:gdLst/>
-          <a:ahLst/>
-          <a:cxnLst/>
-          <a:rect l="0" t="0" r="0" b="0"/>
-          <a:pathLst>
-            <a:path>
-              <a:moveTo>
-                <a:pt x="0" y="0"/>
-              </a:moveTo>
-              <a:lnTo>
-                <a:pt x="0" y="395086"/>
-              </a:lnTo>
-              <a:lnTo>
-                <a:pt x="1218205" y="395086"/>
-              </a:lnTo>
-              <a:lnTo>
-                <a:pt x="1218205" y="579755"/>
-              </a:lnTo>
-            </a:path>
-          </a:pathLst>
-        </a:custGeom>
-        <a:noFill/>
-        <a:ln w="19050" cap="rnd" cmpd="sng" algn="ctr">
-          <a:solidFill>
-            <a:schemeClr val="accent3">
-              <a:hueOff val="0"/>
-              <a:satOff val="0"/>
-              <a:lumOff val="0"/>
-              <a:alphaOff val="0"/>
-            </a:schemeClr>
-          </a:solidFill>
-          <a:prstDash val="solid"/>
-        </a:ln>
-        <a:effectLst/>
-      </dsp:spPr>
-      <dsp:style>
-        <a:lnRef idx="2">
-          <a:scrgbClr r="0" g="0" b="0"/>
-        </a:lnRef>
-        <a:fillRef idx="0">
-          <a:scrgbClr r="0" g="0" b="0"/>
-        </a:fillRef>
-        <a:effectRef idx="0">
-          <a:scrgbClr r="0" g="0" b="0"/>
-        </a:effectRef>
-        <a:fontRef idx="minor"/>
-      </dsp:style>
-    </dsp:sp>
-    <dsp:sp modelId="{6893AC0F-659B-4CFB-B49F-D4FC5E93D427}">
-      <dsp:nvSpPr>
-        <dsp:cNvPr id="0" name=""/>
-        <dsp:cNvSpPr/>
-      </dsp:nvSpPr>
-      <dsp:spPr>
-        <a:xfrm>
-          <a:off x="999505" y="3534375"/>
-          <a:ext cx="1218205" cy="579755"/>
-        </a:xfrm>
-        <a:custGeom>
-          <a:avLst/>
-          <a:gdLst/>
-          <a:ahLst/>
-          <a:cxnLst/>
-          <a:rect l="0" t="0" r="0" b="0"/>
-          <a:pathLst>
-            <a:path>
-              <a:moveTo>
-                <a:pt x="1218205" y="0"/>
-              </a:moveTo>
-              <a:lnTo>
-                <a:pt x="1218205" y="395086"/>
-              </a:lnTo>
-              <a:lnTo>
-                <a:pt x="0" y="395086"/>
-              </a:lnTo>
-              <a:lnTo>
-                <a:pt x="0" y="579755"/>
-              </a:lnTo>
-            </a:path>
-          </a:pathLst>
-        </a:custGeom>
-        <a:noFill/>
-        <a:ln w="19050" cap="rnd" cmpd="sng" algn="ctr">
-          <a:solidFill>
-            <a:schemeClr val="accent3">
-              <a:hueOff val="0"/>
-              <a:satOff val="0"/>
-              <a:lumOff val="0"/>
-              <a:alphaOff val="0"/>
-            </a:schemeClr>
-          </a:solidFill>
-          <a:prstDash val="solid"/>
-        </a:ln>
-        <a:effectLst/>
-      </dsp:spPr>
-      <dsp:style>
-        <a:lnRef idx="2">
-          <a:scrgbClr r="0" g="0" b="0"/>
-        </a:lnRef>
-        <a:fillRef idx="0">
-          <a:scrgbClr r="0" g="0" b="0"/>
-        </a:fillRef>
-        <a:effectRef idx="0">
-          <a:scrgbClr r="0" g="0" b="0"/>
-        </a:effectRef>
-        <a:fontRef idx="minor"/>
-      </dsp:style>
-    </dsp:sp>
-    <dsp:sp modelId="{671AD64E-54E4-4C1F-9E8A-64D63C6EB36A}">
-      <dsp:nvSpPr>
-        <dsp:cNvPr id="0" name=""/>
-        <dsp:cNvSpPr/>
-      </dsp:nvSpPr>
-      <dsp:spPr>
-        <a:xfrm>
-          <a:off x="2217711" y="1626806"/>
-          <a:ext cx="2250444" cy="641742"/>
-        </a:xfrm>
-        <a:custGeom>
-          <a:avLst/>
-          <a:gdLst/>
-          <a:ahLst/>
-          <a:cxnLst/>
-          <a:rect l="0" t="0" r="0" b="0"/>
-          <a:pathLst>
-            <a:path>
-              <a:moveTo>
-                <a:pt x="2250444" y="0"/>
-              </a:moveTo>
-              <a:lnTo>
-                <a:pt x="2250444" y="457073"/>
-              </a:lnTo>
-              <a:lnTo>
-                <a:pt x="0" y="457073"/>
-              </a:lnTo>
-              <a:lnTo>
-                <a:pt x="0" y="641742"/>
-              </a:lnTo>
-            </a:path>
-          </a:pathLst>
-        </a:custGeom>
-        <a:noFill/>
-        <a:ln w="19050" cap="rnd" cmpd="sng" algn="ctr">
-          <a:solidFill>
-            <a:schemeClr val="accent2">
-              <a:hueOff val="0"/>
-              <a:satOff val="0"/>
-              <a:lumOff val="0"/>
-              <a:alphaOff val="0"/>
-            </a:schemeClr>
-          </a:solidFill>
-          <a:prstDash val="solid"/>
-        </a:ln>
-        <a:effectLst/>
-      </dsp:spPr>
-      <dsp:style>
-        <a:lnRef idx="2">
-          <a:scrgbClr r="0" g="0" b="0"/>
-        </a:lnRef>
-        <a:fillRef idx="0">
-          <a:scrgbClr r="0" g="0" b="0"/>
-        </a:fillRef>
-        <a:effectRef idx="0">
-          <a:scrgbClr r="0" g="0" b="0"/>
-        </a:effectRef>
-        <a:fontRef idx="minor"/>
-      </dsp:style>
-    </dsp:sp>
-    <dsp:sp modelId="{DBB30A69-ABBB-47D9-A46B-46DA36396AE9}">
-      <dsp:nvSpPr>
-        <dsp:cNvPr id="0" name=""/>
-        <dsp:cNvSpPr/>
-      </dsp:nvSpPr>
-      <dsp:spPr>
-        <a:xfrm>
-          <a:off x="3471441" y="360980"/>
-          <a:ext cx="1993427" cy="1265826"/>
-        </a:xfrm>
-        <a:prstGeom prst="roundRect">
-          <a:avLst>
-            <a:gd name="adj" fmla="val 10000"/>
-          </a:avLst>
-        </a:prstGeom>
-        <a:solidFill>
-          <a:schemeClr val="accent1">
-            <a:hueOff val="0"/>
-            <a:satOff val="0"/>
-            <a:lumOff val="0"/>
-            <a:alphaOff val="0"/>
-          </a:schemeClr>
-        </a:solidFill>
-        <a:ln w="19050" cap="rnd" cmpd="sng" algn="ctr">
-          <a:solidFill>
-            <a:schemeClr val="lt1">
-              <a:hueOff val="0"/>
-              <a:satOff val="0"/>
-              <a:lumOff val="0"/>
-              <a:alphaOff val="0"/>
-            </a:schemeClr>
-          </a:solidFill>
-          <a:prstDash val="solid"/>
-        </a:ln>
-        <a:effectLst/>
-      </dsp:spPr>
-      <dsp:style>
-        <a:lnRef idx="2">
-          <a:scrgbClr r="0" g="0" b="0"/>
-        </a:lnRef>
-        <a:fillRef idx="1">
-          <a:scrgbClr r="0" g="0" b="0"/>
-        </a:fillRef>
-        <a:effectRef idx="0">
-          <a:scrgbClr r="0" g="0" b="0"/>
-        </a:effectRef>
-        <a:fontRef idx="minor">
-          <a:schemeClr val="lt1"/>
-        </a:fontRef>
-      </dsp:style>
-    </dsp:sp>
-    <dsp:sp modelId="{DF61CC6F-D8F5-4A13-A0C8-4A5286AEBABC}">
-      <dsp:nvSpPr>
-        <dsp:cNvPr id="0" name=""/>
-        <dsp:cNvSpPr/>
-      </dsp:nvSpPr>
-      <dsp:spPr>
-        <a:xfrm>
-          <a:off x="3692933" y="571397"/>
-          <a:ext cx="1993427" cy="1265826"/>
-        </a:xfrm>
-        <a:prstGeom prst="roundRect">
-          <a:avLst>
-            <a:gd name="adj" fmla="val 10000"/>
-          </a:avLst>
-        </a:prstGeom>
-        <a:solidFill>
-          <a:schemeClr val="lt1">
-            <a:alpha val="90000"/>
-            <a:hueOff val="0"/>
-            <a:satOff val="0"/>
-            <a:lumOff val="0"/>
-            <a:alphaOff val="0"/>
-          </a:schemeClr>
-        </a:solidFill>
-        <a:ln w="19050" cap="rnd" cmpd="sng" algn="ctr">
-          <a:solidFill>
-            <a:schemeClr val="accent1">
-              <a:hueOff val="0"/>
-              <a:satOff val="0"/>
-              <a:lumOff val="0"/>
-              <a:alphaOff val="0"/>
-            </a:schemeClr>
-          </a:solidFill>
-          <a:prstDash val="solid"/>
-        </a:ln>
-        <a:effectLst/>
-      </dsp:spPr>
-      <dsp:style>
-        <a:lnRef idx="2">
-          <a:scrgbClr r="0" g="0" b="0"/>
-        </a:lnRef>
-        <a:fillRef idx="1">
-          <a:scrgbClr r="0" g="0" b="0"/>
-        </a:fillRef>
-        <a:effectRef idx="0">
-          <a:scrgbClr r="0" g="0" b="0"/>
-        </a:effectRef>
-        <a:fontRef idx="minor"/>
-      </dsp:style>
-      <dsp:txBody>
-        <a:bodyPr spcFirstLastPara="0" vert="horz" wrap="square" lIns="76200" tIns="76200" rIns="76200" bIns="76200" numCol="1" spcCol="1270" anchor="ctr" anchorCtr="0">
-          <a:noAutofit/>
-        </a:bodyPr>
-        <a:lstStyle/>
-        <a:p>
-          <a:pPr lvl="0" algn="ctr" defTabSz="889000">
-            <a:lnSpc>
-              <a:spcPct val="90000"/>
-            </a:lnSpc>
-            <a:spcBef>
-              <a:spcPct val="0"/>
-            </a:spcBef>
-            <a:spcAft>
-              <a:spcPct val="35000"/>
-            </a:spcAft>
-          </a:pPr>
-          <a:r>
-            <a:rPr lang="en-IN" sz="2000" kern="1200" dirty="0" smtClean="0"/>
-            <a:t>JOB ANALYSIS</a:t>
-          </a:r>
-          <a:endParaRPr lang="en-IN" sz="2000" kern="1200" dirty="0"/>
-        </a:p>
-      </dsp:txBody>
-      <dsp:txXfrm>
-        <a:off x="3730008" y="608472"/>
-        <a:ext cx="1919277" cy="1191676"/>
-      </dsp:txXfrm>
-    </dsp:sp>
-    <dsp:sp modelId="{34959A08-66D5-40B4-A528-BCF645F33ED0}">
-      <dsp:nvSpPr>
-        <dsp:cNvPr id="0" name=""/>
-        <dsp:cNvSpPr/>
-      </dsp:nvSpPr>
-      <dsp:spPr>
-        <a:xfrm>
-          <a:off x="1220997" y="2268549"/>
-          <a:ext cx="1993427" cy="1265826"/>
-        </a:xfrm>
-        <a:prstGeom prst="roundRect">
-          <a:avLst>
-            <a:gd name="adj" fmla="val 10000"/>
-          </a:avLst>
-        </a:prstGeom>
-        <a:solidFill>
-          <a:schemeClr val="accent2">
-            <a:hueOff val="0"/>
-            <a:satOff val="0"/>
-            <a:lumOff val="0"/>
-            <a:alphaOff val="0"/>
-          </a:schemeClr>
-        </a:solidFill>
-        <a:ln w="19050" cap="rnd" cmpd="sng" algn="ctr">
-          <a:solidFill>
-            <a:schemeClr val="lt1">
-              <a:hueOff val="0"/>
-              <a:satOff val="0"/>
-              <a:lumOff val="0"/>
-              <a:alphaOff val="0"/>
-            </a:schemeClr>
-          </a:solidFill>
-          <a:prstDash val="solid"/>
-        </a:ln>
-        <a:effectLst/>
-      </dsp:spPr>
-      <dsp:style>
-        <a:lnRef idx="2">
-          <a:scrgbClr r="0" g="0" b="0"/>
-        </a:lnRef>
-        <a:fillRef idx="1">
-          <a:scrgbClr r="0" g="0" b="0"/>
-        </a:fillRef>
-        <a:effectRef idx="0">
-          <a:scrgbClr r="0" g="0" b="0"/>
-        </a:effectRef>
-        <a:fontRef idx="minor">
-          <a:schemeClr val="lt1"/>
-        </a:fontRef>
-      </dsp:style>
-    </dsp:sp>
-    <dsp:sp modelId="{6BCC551A-9262-4D70-849F-706E2CF6181A}">
-      <dsp:nvSpPr>
-        <dsp:cNvPr id="0" name=""/>
-        <dsp:cNvSpPr/>
-      </dsp:nvSpPr>
-      <dsp:spPr>
-        <a:xfrm>
-          <a:off x="1442489" y="2478966"/>
-          <a:ext cx="1993427" cy="1265826"/>
-        </a:xfrm>
-        <a:prstGeom prst="roundRect">
-          <a:avLst>
-            <a:gd name="adj" fmla="val 10000"/>
-          </a:avLst>
-        </a:prstGeom>
-        <a:solidFill>
-          <a:schemeClr val="lt1">
-            <a:alpha val="90000"/>
-            <a:hueOff val="0"/>
-            <a:satOff val="0"/>
-            <a:lumOff val="0"/>
-            <a:alphaOff val="0"/>
-          </a:schemeClr>
-        </a:solidFill>
-        <a:ln w="19050" cap="rnd" cmpd="sng" algn="ctr">
-          <a:solidFill>
-            <a:schemeClr val="accent2">
-              <a:hueOff val="0"/>
-              <a:satOff val="0"/>
-              <a:lumOff val="0"/>
-              <a:alphaOff val="0"/>
-            </a:schemeClr>
-          </a:solidFill>
-          <a:prstDash val="solid"/>
-        </a:ln>
-        <a:effectLst/>
-      </dsp:spPr>
-      <dsp:style>
-        <a:lnRef idx="2">
-          <a:scrgbClr r="0" g="0" b="0"/>
-        </a:lnRef>
-        <a:fillRef idx="1">
-          <a:scrgbClr r="0" g="0" b="0"/>
-        </a:fillRef>
-        <a:effectRef idx="0">
-          <a:scrgbClr r="0" g="0" b="0"/>
-        </a:effectRef>
-        <a:fontRef idx="minor"/>
-      </dsp:style>
-      <dsp:txBody>
-        <a:bodyPr spcFirstLastPara="0" vert="horz" wrap="square" lIns="76200" tIns="76200" rIns="76200" bIns="76200" numCol="1" spcCol="1270" anchor="ctr" anchorCtr="0">
-          <a:noAutofit/>
-        </a:bodyPr>
-        <a:lstStyle/>
-        <a:p>
-          <a:pPr lvl="0" algn="ctr" defTabSz="889000">
-            <a:lnSpc>
-              <a:spcPct val="90000"/>
-            </a:lnSpc>
-            <a:spcBef>
-              <a:spcPct val="0"/>
-            </a:spcBef>
-            <a:spcAft>
-              <a:spcPct val="35000"/>
-            </a:spcAft>
-          </a:pPr>
-          <a:r>
-            <a:rPr lang="en-IN" sz="2000" kern="1200" dirty="0" smtClean="0"/>
-            <a:t>Quantitative /Analytical</a:t>
-          </a:r>
-          <a:endParaRPr lang="en-IN" sz="2000" kern="1200" dirty="0"/>
-        </a:p>
-      </dsp:txBody>
-      <dsp:txXfrm>
-        <a:off x="1479564" y="2516041"/>
-        <a:ext cx="1919277" cy="1191676"/>
-      </dsp:txXfrm>
-    </dsp:sp>
-    <dsp:sp modelId="{1A8BB6CE-1B6F-46DA-AAEB-37745AB15B9B}">
-      <dsp:nvSpPr>
-        <dsp:cNvPr id="0" name=""/>
-        <dsp:cNvSpPr/>
-      </dsp:nvSpPr>
-      <dsp:spPr>
-        <a:xfrm>
-          <a:off x="2791" y="4114130"/>
-          <a:ext cx="1993427" cy="1265826"/>
-        </a:xfrm>
-        <a:prstGeom prst="roundRect">
-          <a:avLst>
-            <a:gd name="adj" fmla="val 10000"/>
-          </a:avLst>
-        </a:prstGeom>
-        <a:solidFill>
-          <a:schemeClr val="accent3">
-            <a:hueOff val="0"/>
-            <a:satOff val="0"/>
-            <a:lumOff val="0"/>
-            <a:alphaOff val="0"/>
-          </a:schemeClr>
-        </a:solidFill>
-        <a:ln w="19050" cap="rnd" cmpd="sng" algn="ctr">
-          <a:solidFill>
-            <a:schemeClr val="lt1">
-              <a:hueOff val="0"/>
-              <a:satOff val="0"/>
-              <a:lumOff val="0"/>
-              <a:alphaOff val="0"/>
-            </a:schemeClr>
-          </a:solidFill>
-          <a:prstDash val="solid"/>
-        </a:ln>
-        <a:effectLst/>
-      </dsp:spPr>
-      <dsp:style>
-        <a:lnRef idx="2">
-          <a:scrgbClr r="0" g="0" b="0"/>
-        </a:lnRef>
-        <a:fillRef idx="1">
-          <a:scrgbClr r="0" g="0" b="0"/>
-        </a:fillRef>
-        <a:effectRef idx="0">
-          <a:scrgbClr r="0" g="0" b="0"/>
-        </a:effectRef>
-        <a:fontRef idx="minor">
-          <a:schemeClr val="lt1"/>
-        </a:fontRef>
-      </dsp:style>
-    </dsp:sp>
-    <dsp:sp modelId="{390F7EF8-4FCC-43D6-B74A-2EAA062A9FA5}">
-      <dsp:nvSpPr>
-        <dsp:cNvPr id="0" name=""/>
-        <dsp:cNvSpPr/>
-      </dsp:nvSpPr>
-      <dsp:spPr>
-        <a:xfrm>
-          <a:off x="224283" y="4324547"/>
-          <a:ext cx="1993427" cy="1265826"/>
-        </a:xfrm>
-        <a:prstGeom prst="roundRect">
-          <a:avLst>
-            <a:gd name="adj" fmla="val 10000"/>
-          </a:avLst>
-        </a:prstGeom>
-        <a:solidFill>
-          <a:schemeClr val="lt1">
-            <a:alpha val="90000"/>
-            <a:hueOff val="0"/>
-            <a:satOff val="0"/>
-            <a:lumOff val="0"/>
-            <a:alphaOff val="0"/>
-          </a:schemeClr>
-        </a:solidFill>
-        <a:ln w="19050" cap="rnd" cmpd="sng" algn="ctr">
-          <a:solidFill>
-            <a:schemeClr val="accent3">
-              <a:hueOff val="0"/>
-              <a:satOff val="0"/>
-              <a:lumOff val="0"/>
-              <a:alphaOff val="0"/>
-            </a:schemeClr>
-          </a:solidFill>
-          <a:prstDash val="solid"/>
-        </a:ln>
-        <a:effectLst/>
-      </dsp:spPr>
-      <dsp:style>
-        <a:lnRef idx="2">
-          <a:scrgbClr r="0" g="0" b="0"/>
-        </a:lnRef>
-        <a:fillRef idx="1">
-          <a:scrgbClr r="0" g="0" b="0"/>
-        </a:fillRef>
-        <a:effectRef idx="0">
-          <a:scrgbClr r="0" g="0" b="0"/>
-        </a:effectRef>
-        <a:fontRef idx="minor"/>
-      </dsp:style>
-      <dsp:txBody>
-        <a:bodyPr spcFirstLastPara="0" vert="horz" wrap="square" lIns="76200" tIns="76200" rIns="76200" bIns="76200" numCol="1" spcCol="1270" anchor="ctr" anchorCtr="0">
-          <a:noAutofit/>
-        </a:bodyPr>
-        <a:lstStyle/>
-        <a:p>
-          <a:pPr lvl="0" algn="ctr" defTabSz="889000">
-            <a:lnSpc>
-              <a:spcPct val="90000"/>
-            </a:lnSpc>
-            <a:spcBef>
-              <a:spcPct val="0"/>
-            </a:spcBef>
-            <a:spcAft>
-              <a:spcPct val="35000"/>
-            </a:spcAft>
-          </a:pPr>
-          <a:r>
-            <a:rPr lang="en-IN" sz="2000" kern="1200" dirty="0" smtClean="0"/>
-            <a:t>Point-Rating Method	</a:t>
-          </a:r>
-          <a:endParaRPr lang="en-IN" sz="2000" kern="1200" dirty="0"/>
-        </a:p>
-      </dsp:txBody>
-      <dsp:txXfrm>
-        <a:off x="261358" y="4361622"/>
-        <a:ext cx="1919277" cy="1191676"/>
-      </dsp:txXfrm>
-    </dsp:sp>
-    <dsp:sp modelId="{788DCC39-7709-49DE-AF68-A5B9C2081E9A}">
-      <dsp:nvSpPr>
-        <dsp:cNvPr id="0" name=""/>
-        <dsp:cNvSpPr/>
-      </dsp:nvSpPr>
-      <dsp:spPr>
-        <a:xfrm>
-          <a:off x="2439202" y="4114130"/>
-          <a:ext cx="1993427" cy="1265826"/>
-        </a:xfrm>
-        <a:prstGeom prst="roundRect">
-          <a:avLst>
-            <a:gd name="adj" fmla="val 10000"/>
-          </a:avLst>
-        </a:prstGeom>
-        <a:solidFill>
-          <a:schemeClr val="accent3">
-            <a:hueOff val="0"/>
-            <a:satOff val="0"/>
-            <a:lumOff val="0"/>
-            <a:alphaOff val="0"/>
-          </a:schemeClr>
-        </a:solidFill>
-        <a:ln w="19050" cap="rnd" cmpd="sng" algn="ctr">
-          <a:solidFill>
-            <a:schemeClr val="lt1">
-              <a:hueOff val="0"/>
-              <a:satOff val="0"/>
-              <a:lumOff val="0"/>
-              <a:alphaOff val="0"/>
-            </a:schemeClr>
-          </a:solidFill>
-          <a:prstDash val="solid"/>
-        </a:ln>
-        <a:effectLst/>
-      </dsp:spPr>
-      <dsp:style>
-        <a:lnRef idx="2">
-          <a:scrgbClr r="0" g="0" b="0"/>
-        </a:lnRef>
-        <a:fillRef idx="1">
-          <a:scrgbClr r="0" g="0" b="0"/>
-        </a:fillRef>
-        <a:effectRef idx="0">
-          <a:scrgbClr r="0" g="0" b="0"/>
-        </a:effectRef>
-        <a:fontRef idx="minor">
-          <a:schemeClr val="lt1"/>
-        </a:fontRef>
-      </dsp:style>
-    </dsp:sp>
-    <dsp:sp modelId="{89358F46-FB12-4AAF-A9F6-A8AA55258F6B}">
-      <dsp:nvSpPr>
-        <dsp:cNvPr id="0" name=""/>
-        <dsp:cNvSpPr/>
-      </dsp:nvSpPr>
-      <dsp:spPr>
-        <a:xfrm>
-          <a:off x="2660694" y="4324547"/>
-          <a:ext cx="1993427" cy="1265826"/>
-        </a:xfrm>
-        <a:prstGeom prst="roundRect">
-          <a:avLst>
-            <a:gd name="adj" fmla="val 10000"/>
-          </a:avLst>
-        </a:prstGeom>
-        <a:solidFill>
-          <a:schemeClr val="lt1">
-            <a:alpha val="90000"/>
-            <a:hueOff val="0"/>
-            <a:satOff val="0"/>
-            <a:lumOff val="0"/>
-            <a:alphaOff val="0"/>
-          </a:schemeClr>
-        </a:solidFill>
-        <a:ln w="19050" cap="rnd" cmpd="sng" algn="ctr">
-          <a:solidFill>
-            <a:schemeClr val="accent3">
-              <a:hueOff val="0"/>
-              <a:satOff val="0"/>
-              <a:lumOff val="0"/>
-              <a:alphaOff val="0"/>
-            </a:schemeClr>
-          </a:solidFill>
-          <a:prstDash val="solid"/>
-        </a:ln>
-        <a:effectLst/>
-      </dsp:spPr>
-      <dsp:style>
-        <a:lnRef idx="2">
-          <a:scrgbClr r="0" g="0" b="0"/>
-        </a:lnRef>
-        <a:fillRef idx="1">
-          <a:scrgbClr r="0" g="0" b="0"/>
-        </a:fillRef>
-        <a:effectRef idx="0">
-          <a:scrgbClr r="0" g="0" b="0"/>
-        </a:effectRef>
-        <a:fontRef idx="minor"/>
-      </dsp:style>
-      <dsp:txBody>
-        <a:bodyPr spcFirstLastPara="0" vert="horz" wrap="square" lIns="76200" tIns="76200" rIns="76200" bIns="76200" numCol="1" spcCol="1270" anchor="ctr" anchorCtr="0">
-          <a:noAutofit/>
-        </a:bodyPr>
-        <a:lstStyle/>
-        <a:p>
-          <a:pPr lvl="0" algn="ctr" defTabSz="889000">
-            <a:lnSpc>
-              <a:spcPct val="90000"/>
-            </a:lnSpc>
-            <a:spcBef>
-              <a:spcPct val="0"/>
-            </a:spcBef>
-            <a:spcAft>
-              <a:spcPct val="35000"/>
-            </a:spcAft>
-          </a:pPr>
-          <a:r>
-            <a:rPr lang="en-IN" sz="2000" kern="1200" dirty="0" smtClean="0"/>
-            <a:t>Factor Comparison Method</a:t>
-          </a:r>
-          <a:endParaRPr lang="en-IN" sz="2000" kern="1200" dirty="0"/>
-        </a:p>
-      </dsp:txBody>
-      <dsp:txXfrm>
-        <a:off x="2697769" y="4361622"/>
-        <a:ext cx="1919277" cy="1191676"/>
-      </dsp:txXfrm>
-    </dsp:sp>
-    <dsp:sp modelId="{F5CEBCBC-E9E3-4145-B82B-ACECD544C871}">
-      <dsp:nvSpPr>
-        <dsp:cNvPr id="0" name=""/>
-        <dsp:cNvSpPr/>
-      </dsp:nvSpPr>
-      <dsp:spPr>
-        <a:xfrm>
-          <a:off x="6093819" y="2268549"/>
-          <a:ext cx="1993427" cy="1265826"/>
-        </a:xfrm>
-        <a:prstGeom prst="roundRect">
-          <a:avLst>
-            <a:gd name="adj" fmla="val 10000"/>
-          </a:avLst>
-        </a:prstGeom>
-        <a:solidFill>
-          <a:schemeClr val="accent2">
-            <a:hueOff val="0"/>
-            <a:satOff val="0"/>
-            <a:lumOff val="0"/>
-            <a:alphaOff val="0"/>
-          </a:schemeClr>
-        </a:solidFill>
-        <a:ln w="19050" cap="rnd" cmpd="sng" algn="ctr">
-          <a:solidFill>
-            <a:schemeClr val="lt1">
-              <a:hueOff val="0"/>
-              <a:satOff val="0"/>
-              <a:lumOff val="0"/>
-              <a:alphaOff val="0"/>
-            </a:schemeClr>
-          </a:solidFill>
-          <a:prstDash val="solid"/>
-        </a:ln>
-        <a:effectLst/>
-      </dsp:spPr>
-      <dsp:style>
-        <a:lnRef idx="2">
-          <a:scrgbClr r="0" g="0" b="0"/>
-        </a:lnRef>
-        <a:fillRef idx="1">
-          <a:scrgbClr r="0" g="0" b="0"/>
-        </a:fillRef>
-        <a:effectRef idx="0">
-          <a:scrgbClr r="0" g="0" b="0"/>
-        </a:effectRef>
-        <a:fontRef idx="minor">
-          <a:schemeClr val="lt1"/>
-        </a:fontRef>
-      </dsp:style>
-    </dsp:sp>
-    <dsp:sp modelId="{118C0F52-4F07-4E3C-96B2-F9CC462E6123}">
-      <dsp:nvSpPr>
-        <dsp:cNvPr id="0" name=""/>
-        <dsp:cNvSpPr/>
-      </dsp:nvSpPr>
-      <dsp:spPr>
-        <a:xfrm>
-          <a:off x="6315311" y="2478966"/>
-          <a:ext cx="1993427" cy="1265826"/>
-        </a:xfrm>
-        <a:prstGeom prst="roundRect">
-          <a:avLst>
-            <a:gd name="adj" fmla="val 10000"/>
-          </a:avLst>
-        </a:prstGeom>
-        <a:solidFill>
-          <a:schemeClr val="lt1">
-            <a:alpha val="90000"/>
-            <a:hueOff val="0"/>
-            <a:satOff val="0"/>
-            <a:lumOff val="0"/>
-            <a:alphaOff val="0"/>
-          </a:schemeClr>
-        </a:solidFill>
-        <a:ln w="19050" cap="rnd" cmpd="sng" algn="ctr">
-          <a:solidFill>
-            <a:schemeClr val="accent2">
-              <a:hueOff val="0"/>
-              <a:satOff val="0"/>
-              <a:lumOff val="0"/>
-              <a:alphaOff val="0"/>
-            </a:schemeClr>
-          </a:solidFill>
-          <a:prstDash val="solid"/>
-        </a:ln>
-        <a:effectLst/>
-      </dsp:spPr>
-      <dsp:style>
-        <a:lnRef idx="2">
-          <a:scrgbClr r="0" g="0" b="0"/>
-        </a:lnRef>
-        <a:fillRef idx="1">
-          <a:scrgbClr r="0" g="0" b="0"/>
-        </a:fillRef>
-        <a:effectRef idx="0">
-          <a:scrgbClr r="0" g="0" b="0"/>
-        </a:effectRef>
-        <a:fontRef idx="minor"/>
-      </dsp:style>
-      <dsp:txBody>
-        <a:bodyPr spcFirstLastPara="0" vert="horz" wrap="square" lIns="76200" tIns="76200" rIns="76200" bIns="76200" numCol="1" spcCol="1270" anchor="ctr" anchorCtr="0">
-          <a:noAutofit/>
-        </a:bodyPr>
-        <a:lstStyle/>
-        <a:p>
-          <a:pPr lvl="0" algn="ctr" defTabSz="889000">
-            <a:lnSpc>
-              <a:spcPct val="90000"/>
-            </a:lnSpc>
-            <a:spcBef>
-              <a:spcPct val="0"/>
-            </a:spcBef>
-            <a:spcAft>
-              <a:spcPct val="35000"/>
-            </a:spcAft>
-          </a:pPr>
-          <a:r>
-            <a:rPr lang="en-IN" sz="2000" kern="1200" dirty="0" smtClean="0"/>
-            <a:t>Qualitative/</a:t>
-          </a:r>
-        </a:p>
-        <a:p>
-          <a:pPr lvl="0" algn="ctr" defTabSz="889000">
-            <a:lnSpc>
-              <a:spcPct val="90000"/>
-            </a:lnSpc>
-            <a:spcBef>
-              <a:spcPct val="0"/>
-            </a:spcBef>
-            <a:spcAft>
-              <a:spcPct val="35000"/>
-            </a:spcAft>
-          </a:pPr>
-          <a:r>
-            <a:rPr lang="en-IN" sz="2000" kern="1200" dirty="0" smtClean="0"/>
-            <a:t>Non-Analytical</a:t>
-          </a:r>
-          <a:endParaRPr lang="en-IN" sz="2000" kern="1200" dirty="0"/>
-        </a:p>
-      </dsp:txBody>
-      <dsp:txXfrm>
-        <a:off x="6352386" y="2516041"/>
-        <a:ext cx="1919277" cy="1191676"/>
-      </dsp:txXfrm>
-    </dsp:sp>
-    <dsp:sp modelId="{F71EA887-6070-4DFE-AFFD-58A5BA373520}">
-      <dsp:nvSpPr>
-        <dsp:cNvPr id="0" name=""/>
-        <dsp:cNvSpPr/>
-      </dsp:nvSpPr>
-      <dsp:spPr>
-        <a:xfrm>
-          <a:off x="4942672" y="4144700"/>
-          <a:ext cx="1993427" cy="1265826"/>
-        </a:xfrm>
-        <a:prstGeom prst="roundRect">
-          <a:avLst>
-            <a:gd name="adj" fmla="val 10000"/>
-          </a:avLst>
-        </a:prstGeom>
-        <a:solidFill>
-          <a:schemeClr val="accent3"/>
-        </a:solidFill>
-        <a:ln w="19050" cap="rnd" cmpd="sng" algn="ctr">
-          <a:solidFill>
-            <a:schemeClr val="lt1">
-              <a:hueOff val="0"/>
-              <a:satOff val="0"/>
-              <a:lumOff val="0"/>
-              <a:alphaOff val="0"/>
-            </a:schemeClr>
-          </a:solidFill>
-          <a:prstDash val="solid"/>
-        </a:ln>
-        <a:effectLst/>
-      </dsp:spPr>
-      <dsp:style>
-        <a:lnRef idx="2">
-          <a:scrgbClr r="0" g="0" b="0"/>
-        </a:lnRef>
-        <a:fillRef idx="1">
-          <a:scrgbClr r="0" g="0" b="0"/>
-        </a:fillRef>
-        <a:effectRef idx="0">
-          <a:scrgbClr r="0" g="0" b="0"/>
-        </a:effectRef>
-        <a:fontRef idx="minor">
-          <a:schemeClr val="lt1"/>
-        </a:fontRef>
-      </dsp:style>
-    </dsp:sp>
-    <dsp:sp modelId="{BEF6C9B3-7AF7-4329-9325-1F434C9BB236}">
-      <dsp:nvSpPr>
-        <dsp:cNvPr id="0" name=""/>
-        <dsp:cNvSpPr/>
-      </dsp:nvSpPr>
-      <dsp:spPr>
-        <a:xfrm>
-          <a:off x="5164164" y="4355117"/>
-          <a:ext cx="1993427" cy="1265826"/>
-        </a:xfrm>
-        <a:prstGeom prst="roundRect">
-          <a:avLst>
-            <a:gd name="adj" fmla="val 10000"/>
-          </a:avLst>
-        </a:prstGeom>
-        <a:solidFill>
-          <a:schemeClr val="lt1">
-            <a:alpha val="90000"/>
-            <a:hueOff val="0"/>
-            <a:satOff val="0"/>
-            <a:lumOff val="0"/>
-            <a:alphaOff val="0"/>
-          </a:schemeClr>
-        </a:solidFill>
-        <a:ln w="19050" cap="rnd" cmpd="sng" algn="ctr">
-          <a:solidFill>
-            <a:schemeClr val="accent3">
-              <a:hueOff val="0"/>
-              <a:satOff val="0"/>
-              <a:lumOff val="0"/>
-              <a:alphaOff val="0"/>
-            </a:schemeClr>
-          </a:solidFill>
-          <a:prstDash val="solid"/>
-        </a:ln>
-        <a:effectLst/>
-      </dsp:spPr>
-      <dsp:style>
-        <a:lnRef idx="2">
-          <a:scrgbClr r="0" g="0" b="0"/>
-        </a:lnRef>
-        <a:fillRef idx="1">
-          <a:scrgbClr r="0" g="0" b="0"/>
-        </a:fillRef>
-        <a:effectRef idx="0">
-          <a:scrgbClr r="0" g="0" b="0"/>
-        </a:effectRef>
-        <a:fontRef idx="minor"/>
-      </dsp:style>
-      <dsp:txBody>
-        <a:bodyPr spcFirstLastPara="0" vert="horz" wrap="square" lIns="76200" tIns="76200" rIns="76200" bIns="76200" numCol="1" spcCol="1270" anchor="ctr" anchorCtr="0">
-          <a:noAutofit/>
-        </a:bodyPr>
-        <a:lstStyle/>
-        <a:p>
-          <a:pPr lvl="0" algn="ctr" defTabSz="889000">
-            <a:lnSpc>
-              <a:spcPct val="90000"/>
-            </a:lnSpc>
-            <a:spcBef>
-              <a:spcPct val="0"/>
-            </a:spcBef>
-            <a:spcAft>
-              <a:spcPct val="35000"/>
-            </a:spcAft>
-          </a:pPr>
-          <a:r>
-            <a:rPr lang="en-IN" sz="2000" kern="1200" dirty="0" smtClean="0"/>
-            <a:t>Ranking Method</a:t>
-          </a:r>
-          <a:endParaRPr lang="en-IN" sz="2000" kern="1200" dirty="0"/>
-        </a:p>
-      </dsp:txBody>
-      <dsp:txXfrm>
-        <a:off x="5201239" y="4392192"/>
-        <a:ext cx="1919277" cy="1191676"/>
-      </dsp:txXfrm>
-    </dsp:sp>
-    <dsp:sp modelId="{A2598284-982D-48E4-9CDE-7EF8B895F121}">
-      <dsp:nvSpPr>
-        <dsp:cNvPr id="0" name=""/>
-        <dsp:cNvSpPr/>
-      </dsp:nvSpPr>
-      <dsp:spPr>
-        <a:xfrm>
-          <a:off x="7312024" y="4114130"/>
-          <a:ext cx="1993427" cy="1265826"/>
-        </a:xfrm>
-        <a:prstGeom prst="roundRect">
-          <a:avLst>
-            <a:gd name="adj" fmla="val 10000"/>
-          </a:avLst>
-        </a:prstGeom>
-        <a:solidFill>
-          <a:schemeClr val="accent3">
-            <a:hueOff val="0"/>
-            <a:satOff val="0"/>
-            <a:lumOff val="0"/>
-            <a:alphaOff val="0"/>
-          </a:schemeClr>
-        </a:solidFill>
-        <a:ln w="19050" cap="rnd" cmpd="sng" algn="ctr">
-          <a:solidFill>
-            <a:schemeClr val="lt1">
-              <a:hueOff val="0"/>
-              <a:satOff val="0"/>
-              <a:lumOff val="0"/>
-              <a:alphaOff val="0"/>
-            </a:schemeClr>
-          </a:solidFill>
-          <a:prstDash val="solid"/>
-        </a:ln>
-        <a:effectLst/>
-      </dsp:spPr>
-      <dsp:style>
-        <a:lnRef idx="2">
-          <a:scrgbClr r="0" g="0" b="0"/>
-        </a:lnRef>
-        <a:fillRef idx="1">
-          <a:scrgbClr r="0" g="0" b="0"/>
-        </a:fillRef>
-        <a:effectRef idx="0">
-          <a:scrgbClr r="0" g="0" b="0"/>
-        </a:effectRef>
-        <a:fontRef idx="minor">
-          <a:schemeClr val="lt1"/>
-        </a:fontRef>
-      </dsp:style>
-    </dsp:sp>
-    <dsp:sp modelId="{3D63FB4A-60D5-4F48-B91D-7798812F9749}">
-      <dsp:nvSpPr>
-        <dsp:cNvPr id="0" name=""/>
-        <dsp:cNvSpPr/>
-      </dsp:nvSpPr>
-      <dsp:spPr>
-        <a:xfrm>
-          <a:off x="7533516" y="4324547"/>
-          <a:ext cx="1993427" cy="1265826"/>
-        </a:xfrm>
-        <a:prstGeom prst="roundRect">
-          <a:avLst>
-            <a:gd name="adj" fmla="val 10000"/>
-          </a:avLst>
-        </a:prstGeom>
-        <a:solidFill>
-          <a:schemeClr val="lt1">
-            <a:alpha val="90000"/>
-            <a:hueOff val="0"/>
-            <a:satOff val="0"/>
-            <a:lumOff val="0"/>
-            <a:alphaOff val="0"/>
-          </a:schemeClr>
-        </a:solidFill>
-        <a:ln w="19050" cap="rnd" cmpd="sng" algn="ctr">
-          <a:solidFill>
-            <a:schemeClr val="accent3">
-              <a:hueOff val="0"/>
-              <a:satOff val="0"/>
-              <a:lumOff val="0"/>
-              <a:alphaOff val="0"/>
-            </a:schemeClr>
-          </a:solidFill>
-          <a:prstDash val="solid"/>
-        </a:ln>
-        <a:effectLst/>
-      </dsp:spPr>
-      <dsp:style>
-        <a:lnRef idx="2">
-          <a:scrgbClr r="0" g="0" b="0"/>
-        </a:lnRef>
-        <a:fillRef idx="1">
-          <a:scrgbClr r="0" g="0" b="0"/>
-        </a:fillRef>
-        <a:effectRef idx="0">
-          <a:scrgbClr r="0" g="0" b="0"/>
-        </a:effectRef>
-        <a:fontRef idx="minor"/>
-      </dsp:style>
-      <dsp:txBody>
-        <a:bodyPr spcFirstLastPara="0" vert="horz" wrap="square" lIns="76200" tIns="76200" rIns="76200" bIns="76200" numCol="1" spcCol="1270" anchor="ctr" anchorCtr="0">
-          <a:noAutofit/>
-        </a:bodyPr>
-        <a:lstStyle/>
-        <a:p>
-          <a:pPr lvl="0" algn="ctr" defTabSz="889000">
-            <a:lnSpc>
-              <a:spcPct val="90000"/>
-            </a:lnSpc>
-            <a:spcBef>
-              <a:spcPct val="0"/>
-            </a:spcBef>
-            <a:spcAft>
-              <a:spcPct val="35000"/>
-            </a:spcAft>
-          </a:pPr>
-          <a:r>
-            <a:rPr lang="en-IN" sz="2000" kern="1200" dirty="0" smtClean="0"/>
-            <a:t>Job Classification or Job Grading Method</a:t>
-          </a:r>
-          <a:endParaRPr lang="en-IN" sz="2000" kern="1200" dirty="0"/>
-        </a:p>
-      </dsp:txBody>
-      <dsp:txXfrm>
-        <a:off x="7570591" y="4361622"/>
-        <a:ext cx="1919277" cy="1191676"/>
-      </dsp:txXfrm>
-    </dsp:sp>
   </dsp:spTree>
 </dsp:drawing>
 </file>
@@ -4170,387 +2967,6 @@
       <dsp:cNvGrpSpPr/>
     </dsp:nvGrpSpPr>
     <dsp:grpSpPr/>
-    <dsp:sp modelId="{3ED0A8A2-9FFB-4B58-AAFA-1920456344A2}">
-      <dsp:nvSpPr>
-        <dsp:cNvPr id="0" name=""/>
-        <dsp:cNvSpPr/>
-      </dsp:nvSpPr>
-      <dsp:spPr>
-        <a:xfrm>
-          <a:off x="1369157" y="-224289"/>
-          <a:ext cx="5770210" cy="4851544"/>
-        </a:xfrm>
-        <a:prstGeom prst="pie">
-          <a:avLst>
-            <a:gd name="adj1" fmla="val 16200000"/>
-            <a:gd name="adj2" fmla="val 1800000"/>
-          </a:avLst>
-        </a:prstGeom>
-        <a:solidFill>
-          <a:schemeClr val="accent2">
-            <a:hueOff val="0"/>
-            <a:satOff val="0"/>
-            <a:lumOff val="0"/>
-            <a:alphaOff val="0"/>
-          </a:schemeClr>
-        </a:solidFill>
-        <a:ln w="19050" cap="rnd" cmpd="sng" algn="ctr">
-          <a:solidFill>
-            <a:schemeClr val="lt1">
-              <a:hueOff val="0"/>
-              <a:satOff val="0"/>
-              <a:lumOff val="0"/>
-              <a:alphaOff val="0"/>
-            </a:schemeClr>
-          </a:solidFill>
-          <a:prstDash val="solid"/>
-        </a:ln>
-        <a:effectLst/>
-      </dsp:spPr>
-      <dsp:style>
-        <a:lnRef idx="2">
-          <a:scrgbClr r="0" g="0" b="0"/>
-        </a:lnRef>
-        <a:fillRef idx="1">
-          <a:scrgbClr r="0" g="0" b="0"/>
-        </a:fillRef>
-        <a:effectRef idx="0">
-          <a:scrgbClr r="0" g="0" b="0"/>
-        </a:effectRef>
-        <a:fontRef idx="minor">
-          <a:schemeClr val="lt1"/>
-        </a:fontRef>
-      </dsp:style>
-      <dsp:txBody>
-        <a:bodyPr spcFirstLastPara="0" vert="horz" wrap="square" lIns="30480" tIns="30480" rIns="30480" bIns="30480" numCol="1" spcCol="1270" anchor="ctr" anchorCtr="0">
-          <a:noAutofit/>
-        </a:bodyPr>
-        <a:lstStyle/>
-        <a:p>
-          <a:pPr lvl="0" algn="ctr" defTabSz="1066800">
-            <a:lnSpc>
-              <a:spcPct val="90000"/>
-            </a:lnSpc>
-            <a:spcBef>
-              <a:spcPct val="0"/>
-            </a:spcBef>
-            <a:spcAft>
-              <a:spcPct val="35000"/>
-            </a:spcAft>
-          </a:pPr>
-          <a:r>
-            <a:rPr lang="en-IN" sz="2400" kern="1200" dirty="0" smtClean="0"/>
-            <a:t>Environmental Factors</a:t>
-          </a:r>
-          <a:endParaRPr lang="en-IN" sz="2400" kern="1200" dirty="0"/>
-        </a:p>
-      </dsp:txBody>
-      <dsp:txXfrm>
-        <a:off x="4410195" y="803776"/>
-        <a:ext cx="2060789" cy="1443912"/>
-      </dsp:txXfrm>
-    </dsp:sp>
-    <dsp:sp modelId="{6276F787-FA49-43E6-9F30-BE1B23A7EE16}">
-      <dsp:nvSpPr>
-        <dsp:cNvPr id="0" name=""/>
-        <dsp:cNvSpPr/>
-      </dsp:nvSpPr>
-      <dsp:spPr>
-        <a:xfrm>
-          <a:off x="1169860" y="263442"/>
-          <a:ext cx="5725604" cy="5292693"/>
-        </a:xfrm>
-        <a:prstGeom prst="pie">
-          <a:avLst>
-            <a:gd name="adj1" fmla="val 1800000"/>
-            <a:gd name="adj2" fmla="val 9000000"/>
-          </a:avLst>
-        </a:prstGeom>
-        <a:solidFill>
-          <a:schemeClr val="accent3">
-            <a:hueOff val="0"/>
-            <a:satOff val="0"/>
-            <a:lumOff val="0"/>
-            <a:alphaOff val="0"/>
-          </a:schemeClr>
-        </a:solidFill>
-        <a:ln w="19050" cap="rnd" cmpd="sng" algn="ctr">
-          <a:solidFill>
-            <a:schemeClr val="lt1">
-              <a:hueOff val="0"/>
-              <a:satOff val="0"/>
-              <a:lumOff val="0"/>
-              <a:alphaOff val="0"/>
-            </a:schemeClr>
-          </a:solidFill>
-          <a:prstDash val="solid"/>
-        </a:ln>
-        <a:effectLst/>
-      </dsp:spPr>
-      <dsp:style>
-        <a:lnRef idx="2">
-          <a:scrgbClr r="0" g="0" b="0"/>
-        </a:lnRef>
-        <a:fillRef idx="1">
-          <a:scrgbClr r="0" g="0" b="0"/>
-        </a:fillRef>
-        <a:effectRef idx="0">
-          <a:scrgbClr r="0" g="0" b="0"/>
-        </a:effectRef>
-        <a:fontRef idx="minor">
-          <a:schemeClr val="lt1"/>
-        </a:fontRef>
-      </dsp:style>
-      <dsp:txBody>
-        <a:bodyPr spcFirstLastPara="0" vert="horz" wrap="square" lIns="35560" tIns="35560" rIns="35560" bIns="35560" numCol="1" spcCol="1270" anchor="ctr" anchorCtr="0">
-          <a:noAutofit/>
-        </a:bodyPr>
-        <a:lstStyle/>
-        <a:p>
-          <a:pPr lvl="0" algn="ctr" defTabSz="1244600">
-            <a:lnSpc>
-              <a:spcPct val="90000"/>
-            </a:lnSpc>
-            <a:spcBef>
-              <a:spcPct val="0"/>
-            </a:spcBef>
-            <a:spcAft>
-              <a:spcPct val="35000"/>
-            </a:spcAft>
-          </a:pPr>
-          <a:r>
-            <a:rPr lang="en-IN" sz="2800" kern="1200" dirty="0" smtClean="0"/>
-            <a:t>Behavioural Factors</a:t>
-          </a:r>
-          <a:endParaRPr lang="en-IN" sz="2800" kern="1200" dirty="0"/>
-        </a:p>
-      </dsp:txBody>
-      <dsp:txXfrm>
-        <a:off x="2533099" y="3697392"/>
-        <a:ext cx="3067287" cy="1386181"/>
-      </dsp:txXfrm>
-    </dsp:sp>
-    <dsp:sp modelId="{41DDA2FA-3782-4B01-BD7F-A08C5519DF34}">
-      <dsp:nvSpPr>
-        <dsp:cNvPr id="0" name=""/>
-        <dsp:cNvSpPr/>
-      </dsp:nvSpPr>
-      <dsp:spPr>
-        <a:xfrm>
-          <a:off x="734582" y="-208790"/>
-          <a:ext cx="6169620" cy="4820548"/>
-        </a:xfrm>
-        <a:prstGeom prst="pie">
-          <a:avLst>
-            <a:gd name="adj1" fmla="val 9000000"/>
-            <a:gd name="adj2" fmla="val 16200000"/>
-          </a:avLst>
-        </a:prstGeom>
-        <a:solidFill>
-          <a:schemeClr val="accent4">
-            <a:hueOff val="0"/>
-            <a:satOff val="0"/>
-            <a:lumOff val="0"/>
-            <a:alphaOff val="0"/>
-          </a:schemeClr>
-        </a:solidFill>
-        <a:ln w="19050" cap="rnd" cmpd="sng" algn="ctr">
-          <a:solidFill>
-            <a:schemeClr val="lt1">
-              <a:hueOff val="0"/>
-              <a:satOff val="0"/>
-              <a:lumOff val="0"/>
-              <a:alphaOff val="0"/>
-            </a:schemeClr>
-          </a:solidFill>
-          <a:prstDash val="solid"/>
-        </a:ln>
-        <a:effectLst/>
-      </dsp:spPr>
-      <dsp:style>
-        <a:lnRef idx="2">
-          <a:scrgbClr r="0" g="0" b="0"/>
-        </a:lnRef>
-        <a:fillRef idx="1">
-          <a:scrgbClr r="0" g="0" b="0"/>
-        </a:fillRef>
-        <a:effectRef idx="0">
-          <a:scrgbClr r="0" g="0" b="0"/>
-        </a:effectRef>
-        <a:fontRef idx="minor">
-          <a:schemeClr val="lt1"/>
-        </a:fontRef>
-      </dsp:style>
-      <dsp:txBody>
-        <a:bodyPr spcFirstLastPara="0" vert="horz" wrap="square" lIns="30480" tIns="30480" rIns="30480" bIns="30480" numCol="1" spcCol="1270" anchor="ctr" anchorCtr="0">
-          <a:noAutofit/>
-        </a:bodyPr>
-        <a:lstStyle/>
-        <a:p>
-          <a:pPr lvl="0" algn="ctr" defTabSz="1066800">
-            <a:lnSpc>
-              <a:spcPct val="90000"/>
-            </a:lnSpc>
-            <a:spcBef>
-              <a:spcPct val="0"/>
-            </a:spcBef>
-            <a:spcAft>
-              <a:spcPct val="35000"/>
-            </a:spcAft>
-          </a:pPr>
-          <a:r>
-            <a:rPr lang="en-IN" sz="2400" kern="1200" dirty="0" smtClean="0"/>
-            <a:t>Organizational Factors</a:t>
-          </a:r>
-          <a:endParaRPr lang="en-IN" sz="2400" kern="1200" dirty="0"/>
-        </a:p>
-      </dsp:txBody>
-      <dsp:txXfrm>
-        <a:off x="1449230" y="812706"/>
-        <a:ext cx="2203435" cy="1434686"/>
-      </dsp:txXfrm>
-    </dsp:sp>
-    <dsp:sp modelId="{DBF8B516-A306-4301-841E-C6A191AE7782}">
-      <dsp:nvSpPr>
-        <dsp:cNvPr id="0" name=""/>
-        <dsp:cNvSpPr/>
-      </dsp:nvSpPr>
-      <dsp:spPr>
-        <a:xfrm>
-          <a:off x="5066146" y="1955148"/>
-          <a:ext cx="441545" cy="180362"/>
-        </a:xfrm>
-        <a:prstGeom prst="leftCircularArrow">
-          <a:avLst>
-            <a:gd name="adj1" fmla="val 5085"/>
-            <a:gd name="adj2" fmla="val 327528"/>
-            <a:gd name="adj3" fmla="val 1472472"/>
-            <a:gd name="adj4" fmla="val 16199432"/>
-            <a:gd name="adj5" fmla="val 5932"/>
-          </a:avLst>
-        </a:prstGeom>
-        <a:solidFill>
-          <a:schemeClr val="accent2">
-            <a:hueOff val="0"/>
-            <a:satOff val="0"/>
-            <a:lumOff val="0"/>
-            <a:alphaOff val="0"/>
-          </a:schemeClr>
-        </a:solidFill>
-        <a:ln>
-          <a:noFill/>
-        </a:ln>
-        <a:effectLst/>
-      </dsp:spPr>
-      <dsp:style>
-        <a:lnRef idx="0">
-          <a:scrgbClr r="0" g="0" b="0"/>
-        </a:lnRef>
-        <a:fillRef idx="1">
-          <a:scrgbClr r="0" g="0" b="0"/>
-        </a:fillRef>
-        <a:effectRef idx="0">
-          <a:scrgbClr r="0" g="0" b="0"/>
-        </a:effectRef>
-        <a:fontRef idx="minor">
-          <a:schemeClr val="lt1"/>
-        </a:fontRef>
-      </dsp:style>
-    </dsp:sp>
-    <dsp:sp modelId="{11C9EC8C-6C5A-485F-AA8A-CC43636DABE6}">
-      <dsp:nvSpPr>
-        <dsp:cNvPr id="0" name=""/>
-        <dsp:cNvSpPr/>
-      </dsp:nvSpPr>
-      <dsp:spPr>
-        <a:xfrm flipV="1">
-          <a:off x="4009840" y="3050266"/>
-          <a:ext cx="45730" cy="2132893"/>
-        </a:xfrm>
-        <a:prstGeom prst="leftCircularArrow">
-          <a:avLst>
-            <a:gd name="adj1" fmla="val 5085"/>
-            <a:gd name="adj2" fmla="val 327528"/>
-            <a:gd name="adj3" fmla="val 8671970"/>
-            <a:gd name="adj4" fmla="val 1800502"/>
-            <a:gd name="adj5" fmla="val 5932"/>
-          </a:avLst>
-        </a:prstGeom>
-        <a:solidFill>
-          <a:schemeClr val="accent3">
-            <a:hueOff val="0"/>
-            <a:satOff val="0"/>
-            <a:lumOff val="0"/>
-            <a:alphaOff val="0"/>
-          </a:schemeClr>
-        </a:solidFill>
-        <a:ln>
-          <a:noFill/>
-        </a:ln>
-        <a:effectLst/>
-      </dsp:spPr>
-      <dsp:style>
-        <a:lnRef idx="0">
-          <a:scrgbClr r="0" g="0" b="0"/>
-        </a:lnRef>
-        <a:fillRef idx="1">
-          <a:scrgbClr r="0" g="0" b="0"/>
-        </a:fillRef>
-        <a:effectRef idx="0">
-          <a:scrgbClr r="0" g="0" b="0"/>
-        </a:effectRef>
-        <a:fontRef idx="minor">
-          <a:schemeClr val="lt1"/>
-        </a:fontRef>
-      </dsp:style>
-    </dsp:sp>
-    <dsp:sp modelId="{106FE7BC-01EE-4FF8-AF4E-2F5554A276AC}">
-      <dsp:nvSpPr>
-        <dsp:cNvPr id="0" name=""/>
-        <dsp:cNvSpPr/>
-      </dsp:nvSpPr>
-      <dsp:spPr>
-        <a:xfrm flipH="1">
-          <a:off x="1165851" y="2015978"/>
-          <a:ext cx="1305353" cy="1101665"/>
-        </a:xfrm>
-        <a:prstGeom prst="leftCircularArrow">
-          <a:avLst>
-            <a:gd name="adj1" fmla="val 5085"/>
-            <a:gd name="adj2" fmla="val 327528"/>
-            <a:gd name="adj3" fmla="val 15873039"/>
-            <a:gd name="adj4" fmla="val 9000000"/>
-            <a:gd name="adj5" fmla="val 5932"/>
-          </a:avLst>
-        </a:prstGeom>
-        <a:solidFill>
-          <a:schemeClr val="accent4">
-            <a:hueOff val="0"/>
-            <a:satOff val="0"/>
-            <a:lumOff val="0"/>
-            <a:alphaOff val="0"/>
-          </a:schemeClr>
-        </a:solidFill>
-        <a:ln>
-          <a:noFill/>
-        </a:ln>
-        <a:effectLst/>
-      </dsp:spPr>
-      <dsp:style>
-        <a:lnRef idx="0">
-          <a:scrgbClr r="0" g="0" b="0"/>
-        </a:lnRef>
-        <a:fillRef idx="1">
-          <a:scrgbClr r="0" g="0" b="0"/>
-        </a:fillRef>
-        <a:effectRef idx="0">
-          <a:scrgbClr r="0" g="0" b="0"/>
-        </a:effectRef>
-        <a:fontRef idx="minor">
-          <a:schemeClr val="lt1"/>
-        </a:fontRef>
-      </dsp:style>
-    </dsp:sp>
   </dsp:spTree>
 </dsp:drawing>
 </file>
@@ -9040,7 +7456,7 @@
           <a:p>
             <a:fld id="{866D81A9-CFC2-4640-899E-DD3E177BE50A}" type="datetimeFigureOut">
               <a:rPr lang="en-US" smtClean="0"/>
-              <a:t>12/21/2022</a:t>
+              <a:t>1/12/2023</a:t>
             </a:fld>
             <a:endParaRPr lang="en-US" dirty="0"/>
           </a:p>
@@ -9217,7 +7633,7 @@
           <a:p>
             <a:fld id="{AA1E50F4-C55A-473A-A70B-4B042EF011A9}" type="datetimeFigureOut">
               <a:rPr lang="en-US" smtClean="0"/>
-              <a:t>12/21/2022</a:t>
+              <a:t>1/12/2023</a:t>
             </a:fld>
             <a:endParaRPr lang="en-US" dirty="0"/>
           </a:p>
@@ -9633,7 +8049,7 @@
           <a:p>
             <a:fld id="{F3544625-0ADF-4414-89A2-9E135F0C849F}" type="slidenum">
               <a:rPr lang="en-US" smtClean="0"/>
-              <a:t>23</a:t>
+              <a:t>25</a:t>
             </a:fld>
             <a:endParaRPr lang="en-US" dirty="0"/>
           </a:p>
@@ -9882,7 +8298,7 @@
             <a:fld id="{87DE6118-2437-4B30-8E3C-4D2BE6020583}" type="datetimeFigureOut">
               <a:rPr lang="en-US" smtClean="0"/>
               <a:pPr/>
-              <a:t>12/21/2022</a:t>
+              <a:t>1/12/2023</a:t>
             </a:fld>
             <a:endParaRPr lang="en-US" dirty="0"/>
           </a:p>
@@ -10218,7 +8634,7 @@
             <a:fld id="{87DE6118-2437-4B30-8E3C-4D2BE6020583}" type="datetimeFigureOut">
               <a:rPr lang="en-US" smtClean="0"/>
               <a:pPr/>
-              <a:t>12/21/2022</a:t>
+              <a:t>1/12/2023</a:t>
             </a:fld>
             <a:endParaRPr lang="en-US" dirty="0"/>
           </a:p>
@@ -10498,7 +8914,7 @@
             <a:fld id="{87DE6118-2437-4B30-8E3C-4D2BE6020583}" type="datetimeFigureOut">
               <a:rPr lang="en-US" smtClean="0"/>
               <a:pPr/>
-              <a:t>12/21/2022</a:t>
+              <a:t>1/12/2023</a:t>
             </a:fld>
             <a:endParaRPr lang="en-US" dirty="0"/>
           </a:p>
@@ -11068,7 +9484,7 @@
             <a:fld id="{87DE6118-2437-4B30-8E3C-4D2BE6020583}" type="datetimeFigureOut">
               <a:rPr lang="en-US" smtClean="0"/>
               <a:pPr/>
-              <a:t>12/21/2022</a:t>
+              <a:t>1/12/2023</a:t>
             </a:fld>
             <a:endParaRPr lang="en-US" dirty="0"/>
           </a:p>
@@ -11348,7 +9764,7 @@
             <a:fld id="{87DE6118-2437-4B30-8E3C-4D2BE6020583}" type="datetimeFigureOut">
               <a:rPr lang="en-US" smtClean="0"/>
               <a:pPr/>
-              <a:t>12/21/2022</a:t>
+              <a:t>1/12/2023</a:t>
             </a:fld>
             <a:endParaRPr lang="en-US" dirty="0"/>
           </a:p>
@@ -11912,7 +10328,7 @@
             <a:fld id="{87DE6118-2437-4B30-8E3C-4D2BE6020583}" type="datetimeFigureOut">
               <a:rPr lang="en-US" smtClean="0"/>
               <a:pPr/>
-              <a:t>12/21/2022</a:t>
+              <a:t>1/12/2023</a:t>
             </a:fld>
             <a:endParaRPr lang="en-US" dirty="0"/>
           </a:p>
@@ -12241,7 +10657,7 @@
             <a:fld id="{87DE6118-2437-4B30-8E3C-4D2BE6020583}" type="datetimeFigureOut">
               <a:rPr lang="en-US" smtClean="0"/>
               <a:pPr/>
-              <a:t>12/21/2022</a:t>
+              <a:t>1/12/2023</a:t>
             </a:fld>
             <a:endParaRPr lang="en-US" dirty="0"/>
           </a:p>
@@ -12447,7 +10863,7 @@
           <a:p>
             <a:fld id="{87DE6118-2437-4B30-8E3C-4D2BE6020583}" type="datetimeFigureOut">
               <a:rPr lang="en-US" smtClean="0"/>
-              <a:t>12/21/2022</a:t>
+              <a:t>1/12/2023</a:t>
             </a:fld>
             <a:endParaRPr lang="en-US" dirty="0"/>
           </a:p>
@@ -12657,7 +11073,7 @@
           <a:p>
             <a:fld id="{87DE6118-2437-4B30-8E3C-4D2BE6020583}" type="datetimeFigureOut">
               <a:rPr lang="en-US" smtClean="0"/>
-              <a:t>12/21/2022</a:t>
+              <a:t>1/12/2023</a:t>
             </a:fld>
             <a:endParaRPr lang="en-US" dirty="0"/>
           </a:p>
@@ -12857,7 +11273,7 @@
           <a:p>
             <a:fld id="{87DE6118-2437-4B30-8E3C-4D2BE6020583}" type="datetimeFigureOut">
               <a:rPr lang="en-US" smtClean="0"/>
-              <a:t>12/21/2022</a:t>
+              <a:t>1/12/2023</a:t>
             </a:fld>
             <a:endParaRPr lang="en-US" dirty="0"/>
           </a:p>
@@ -13134,7 +11550,7 @@
             <a:fld id="{87DE6118-2437-4B30-8E3C-4D2BE6020583}" type="datetimeFigureOut">
               <a:rPr lang="en-US" smtClean="0"/>
               <a:pPr/>
-              <a:t>12/21/2022</a:t>
+              <a:t>1/12/2023</a:t>
             </a:fld>
             <a:endParaRPr lang="en-US" dirty="0"/>
           </a:p>
@@ -13401,7 +11817,7 @@
           <a:p>
             <a:fld id="{87DE6118-2437-4B30-8E3C-4D2BE6020583}" type="datetimeFigureOut">
               <a:rPr lang="en-US" smtClean="0"/>
-              <a:t>12/21/2022</a:t>
+              <a:t>1/12/2023</a:t>
             </a:fld>
             <a:endParaRPr lang="en-US" dirty="0"/>
           </a:p>
@@ -13775,7 +12191,7 @@
           <a:p>
             <a:fld id="{87DE6118-2437-4B30-8E3C-4D2BE6020583}" type="datetimeFigureOut">
               <a:rPr lang="en-US" smtClean="0"/>
-              <a:t>12/21/2022</a:t>
+              <a:t>1/12/2023</a:t>
             </a:fld>
             <a:endParaRPr lang="en-US" dirty="0"/>
           </a:p>
@@ -13923,7 +12339,7 @@
           <a:p>
             <a:fld id="{87DE6118-2437-4B30-8E3C-4D2BE6020583}" type="datetimeFigureOut">
               <a:rPr lang="en-US" smtClean="0"/>
-              <a:t>12/21/2022</a:t>
+              <a:t>1/12/2023</a:t>
             </a:fld>
             <a:endParaRPr lang="en-US" dirty="0"/>
           </a:p>
@@ -14048,7 +12464,7 @@
           <a:p>
             <a:fld id="{87DE6118-2437-4B30-8E3C-4D2BE6020583}" type="datetimeFigureOut">
               <a:rPr lang="en-US" smtClean="0"/>
-              <a:t>12/21/2022</a:t>
+              <a:t>1/12/2023</a:t>
             </a:fld>
             <a:endParaRPr lang="en-US" dirty="0"/>
           </a:p>
@@ -14334,7 +12750,7 @@
             <a:fld id="{87DE6118-2437-4B30-8E3C-4D2BE6020583}" type="datetimeFigureOut">
               <a:rPr lang="en-US" smtClean="0"/>
               <a:pPr/>
-              <a:t>12/21/2022</a:t>
+              <a:t>1/12/2023</a:t>
             </a:fld>
             <a:endParaRPr lang="en-US" dirty="0"/>
           </a:p>
@@ -14660,7 +13076,7 @@
             <a:fld id="{87DE6118-2437-4B30-8E3C-4D2BE6020583}" type="datetimeFigureOut">
               <a:rPr lang="en-US" smtClean="0"/>
               <a:pPr/>
-              <a:t>12/21/2022</a:t>
+              <a:t>1/12/2023</a:t>
             </a:fld>
             <a:endParaRPr lang="en-US" dirty="0"/>
           </a:p>
@@ -14876,7 +13292,7 @@
             <a:fld id="{87DE6118-2437-4B30-8E3C-4D2BE6020583}" type="datetimeFigureOut">
               <a:rPr lang="en-US" smtClean="0"/>
               <a:pPr/>
-              <a:t>12/21/2022</a:t>
+              <a:t>1/12/2023</a:t>
             </a:fld>
             <a:endParaRPr lang="en-US" dirty="0"/>
           </a:p>
@@ -16262,7 +14678,6 @@
               <a:rPr lang="en-IN" sz="4800" b="1" dirty="0"/>
               <a:t>Context of industrial psychology</a:t>
             </a:r>
-            <a:endParaRPr lang="en-IN" sz="4800" b="1" dirty="0"/>
           </a:p>
         </p:txBody>
       </p:sp>
@@ -16751,7 +15166,6 @@
               <a:rPr lang="en-IN" sz="6000" b="1" dirty="0"/>
               <a:t>Job analysis</a:t>
             </a:r>
-            <a:endParaRPr lang="en-IN" sz="6000" b="1" dirty="0"/>
           </a:p>
         </p:txBody>
       </p:sp>
@@ -16977,7 +15391,6 @@
               <a:rPr lang="en-IN" sz="6000" b="1" dirty="0"/>
               <a:t>competency model </a:t>
             </a:r>
-            <a:endParaRPr lang="en-IN" sz="6000" b="1" dirty="0"/>
           </a:p>
         </p:txBody>
       </p:sp>
@@ -17005,7 +15418,6 @@
               <a:rPr lang="en-IN" sz="2400" dirty="0"/>
               <a:t>A competency model is a collection of competencies that together define successful performance in a particular work setting. Competency models are the foundation for important human resource functions such as recruitment and hiring, training and development, and performance management.</a:t>
             </a:r>
-            <a:endParaRPr lang="en-IN" sz="2400" dirty="0"/>
           </a:p>
         </p:txBody>
       </p:sp>
@@ -17146,7 +15558,6 @@
               <a:rPr lang="en-IN" sz="5400" dirty="0"/>
               <a:t>job evaluation</a:t>
             </a:r>
-            <a:endParaRPr lang="en-IN" sz="5400" dirty="0"/>
           </a:p>
         </p:txBody>
       </p:sp>
@@ -17172,7 +15583,6 @@
               <a:rPr lang="en-IN" sz="2800" dirty="0"/>
               <a:t>A job evaluation is a systematic way of determining the value/worth of a job in relation to other jobs in an organization. It tries to make a systematic comparison between jobs to assess their relative worth for the purpose of establishing a rational pay structure.</a:t>
             </a:r>
-            <a:endParaRPr lang="en-IN" sz="2800" dirty="0"/>
           </a:p>
         </p:txBody>
       </p:sp>
@@ -17330,7 +15740,6 @@
               <a:rPr lang="en-IN" sz="2800" dirty="0"/>
               <a:t>.</a:t>
             </a:r>
-            <a:endParaRPr lang="en-IN" sz="2800" dirty="0"/>
           </a:p>
         </p:txBody>
       </p:sp>
@@ -17630,7 +16039,6 @@
               <a:rPr lang="en-IN" sz="3200" dirty="0"/>
               <a:t>and cultural prospects.</a:t>
             </a:r>
-            <a:endParaRPr lang="en-IN" sz="3200" dirty="0"/>
           </a:p>
         </p:txBody>
       </p:sp>
@@ -18020,7 +16428,6 @@
               <a:rPr lang="en-IN" sz="2800" dirty="0"/>
               <a:t>Employee wellbeing is defined as the overall mental, physical, emotional, and economic health of your employees. It’s influenced by various factors such as their relationships with co-workers, the decisions they make, and the tools and resources they have access to. Hours, pay, and workplace safety also have a significant impact on employee wellbeing. </a:t>
             </a:r>
-            <a:endParaRPr lang="en-IN" sz="2800" dirty="0"/>
           </a:p>
         </p:txBody>
       </p:sp>
@@ -18225,7 +16632,6 @@
               <a:rPr lang="en-IN" sz="2800" dirty="0"/>
               <a:t>employees. In other words, it involves everything from the identification of a staffing need to filling it. Depending on the size of an organization, recruitment is the responsibility of a range of workers.</a:t>
             </a:r>
-            <a:endParaRPr lang="en-IN" sz="2800" dirty="0"/>
           </a:p>
         </p:txBody>
       </p:sp>
@@ -18243,6 +16649,228 @@
 </file>
 
 <file path=ppt/slides/slide23.xml><?xml version="1.0" encoding="utf-8"?>
+<p:sld xmlns:a="http://schemas.openxmlformats.org/drawingml/2006/main" xmlns:r="http://schemas.openxmlformats.org/officeDocument/2006/relationships" xmlns:p="http://schemas.openxmlformats.org/presentationml/2006/main">
+  <p:cSld>
+    <p:spTree>
+      <p:nvGrpSpPr>
+        <p:cNvPr id="1" name=""/>
+        <p:cNvGrpSpPr/>
+        <p:nvPr/>
+      </p:nvGrpSpPr>
+      <p:grpSpPr>
+        <a:xfrm>
+          <a:off x="0" y="0"/>
+          <a:ext cx="0" cy="0"/>
+          <a:chOff x="0" y="0"/>
+          <a:chExt cx="0" cy="0"/>
+        </a:xfrm>
+      </p:grpSpPr>
+      <p:sp>
+        <p:nvSpPr>
+          <p:cNvPr id="2" name="Title 1"/>
+          <p:cNvSpPr>
+            <a:spLocks noGrp="1"/>
+          </p:cNvSpPr>
+          <p:nvPr>
+            <p:ph type="title"/>
+          </p:nvPr>
+        </p:nvSpPr>
+        <p:spPr/>
+        <p:txBody>
+          <a:bodyPr>
+            <a:normAutofit/>
+          </a:bodyPr>
+          <a:lstStyle/>
+          <a:p>
+            <a:pPr algn="ctr"/>
+            <a:r>
+              <a:rPr lang="en-US" sz="4400" b="1" dirty="0" smtClean="0"/>
+              <a:t>Criteria for evaluation employee</a:t>
+            </a:r>
+            <a:endParaRPr lang="en-IN" sz="4400" b="1" dirty="0"/>
+          </a:p>
+        </p:txBody>
+      </p:sp>
+      <p:sp>
+        <p:nvSpPr>
+          <p:cNvPr id="3" name="Content Placeholder 2"/>
+          <p:cNvSpPr>
+            <a:spLocks noGrp="1"/>
+          </p:cNvSpPr>
+          <p:nvPr>
+            <p:ph idx="1"/>
+          </p:nvPr>
+        </p:nvSpPr>
+        <p:spPr>
+          <a:xfrm>
+            <a:off x="453327" y="2638013"/>
+            <a:ext cx="11123907" cy="3649133"/>
+          </a:xfrm>
+        </p:spPr>
+        <p:txBody>
+          <a:bodyPr>
+            <a:noAutofit/>
+          </a:bodyPr>
+          <a:lstStyle/>
+          <a:p>
+            <a:pPr marL="342900" indent="-342900" algn="just">
+              <a:buAutoNum type="arabicPeriod"/>
+            </a:pPr>
+            <a:r>
+              <a:rPr lang="en-IN" sz="2800" dirty="0" smtClean="0"/>
+              <a:t>Objective </a:t>
+            </a:r>
+            <a:r>
+              <a:rPr lang="en-IN" sz="2800" dirty="0"/>
+              <a:t>performance criteria involve the measurement of some easily quantifiable aspects of job performance, such as the number of units produced, the dollar amount of sales, or the time needed to process some information</a:t>
+            </a:r>
+            <a:r>
+              <a:rPr lang="en-IN" sz="2800" dirty="0" smtClean="0"/>
+              <a:t>.</a:t>
+            </a:r>
+          </a:p>
+          <a:p>
+            <a:pPr marL="342900" indent="-342900" algn="just">
+              <a:buAutoNum type="arabicPeriod"/>
+            </a:pPr>
+            <a:r>
+              <a:rPr lang="en-IN" sz="2800" dirty="0"/>
+              <a:t>Subjective performance criteria consist of judgments or ratings made by some knowledgeable individual, such as a worker’s supervisor or </a:t>
+            </a:r>
+            <a:r>
+              <a:rPr lang="en-IN" sz="2800" dirty="0" smtClean="0"/>
+              <a:t>co-worker</a:t>
+            </a:r>
+            <a:r>
+              <a:rPr lang="en-IN" sz="2800" dirty="0"/>
+              <a:t>. These criteria are often used when objective criteria are unavailable, difficult to assess, or </a:t>
+            </a:r>
+            <a:r>
+              <a:rPr lang="en-IN" sz="2800" dirty="0" smtClean="0"/>
+              <a:t>inappropriate.</a:t>
+            </a:r>
+            <a:endParaRPr lang="en-IN" sz="2800" dirty="0"/>
+          </a:p>
+        </p:txBody>
+      </p:sp>
+    </p:spTree>
+    <p:extLst>
+      <p:ext uri="{BB962C8B-B14F-4D97-AF65-F5344CB8AC3E}">
+        <p14:creationId xmlns:p14="http://schemas.microsoft.com/office/powerpoint/2010/main" val="1510625409"/>
+      </p:ext>
+    </p:extLst>
+  </p:cSld>
+  <p:clrMapOvr>
+    <a:masterClrMapping/>
+  </p:clrMapOvr>
+</p:sld>
+</file>
+
+<file path=ppt/slides/slide24.xml><?xml version="1.0" encoding="utf-8"?>
+<p:sld xmlns:a="http://schemas.openxmlformats.org/drawingml/2006/main" xmlns:r="http://schemas.openxmlformats.org/officeDocument/2006/relationships" xmlns:p="http://schemas.openxmlformats.org/presentationml/2006/main">
+  <p:cSld>
+    <p:spTree>
+      <p:nvGrpSpPr>
+        <p:cNvPr id="1" name=""/>
+        <p:cNvGrpSpPr/>
+        <p:nvPr/>
+      </p:nvGrpSpPr>
+      <p:grpSpPr>
+        <a:xfrm>
+          <a:off x="0" y="0"/>
+          <a:ext cx="0" cy="0"/>
+          <a:chOff x="0" y="0"/>
+          <a:chExt cx="0" cy="0"/>
+        </a:xfrm>
+      </p:grpSpPr>
+      <p:sp>
+        <p:nvSpPr>
+          <p:cNvPr id="2" name="Title 1"/>
+          <p:cNvSpPr>
+            <a:spLocks noGrp="1"/>
+          </p:cNvSpPr>
+          <p:nvPr>
+            <p:ph type="title"/>
+          </p:nvPr>
+        </p:nvSpPr>
+        <p:spPr>
+          <a:xfrm>
+            <a:off x="685801" y="5166"/>
+            <a:ext cx="10131425" cy="1456267"/>
+          </a:xfrm>
+        </p:spPr>
+        <p:txBody>
+          <a:bodyPr>
+            <a:normAutofit/>
+          </a:bodyPr>
+          <a:lstStyle/>
+          <a:p>
+            <a:pPr algn="ctr"/>
+            <a:r>
+              <a:rPr lang="en-US" sz="4400" b="1" dirty="0" smtClean="0"/>
+              <a:t>Screening Methods</a:t>
+            </a:r>
+            <a:endParaRPr lang="en-IN" sz="4400" b="1" dirty="0"/>
+          </a:p>
+        </p:txBody>
+      </p:sp>
+      <p:pic>
+        <p:nvPicPr>
+          <p:cNvPr id="1026" name="Picture 2" descr="10 steps to screening candidates more efficiently | Freshteam"/>
+          <p:cNvPicPr>
+            <a:picLocks noGrp="1" noChangeAspect="1" noChangeArrowheads="1"/>
+          </p:cNvPicPr>
+          <p:nvPr>
+            <p:ph idx="1"/>
+          </p:nvPr>
+        </p:nvPicPr>
+        <p:blipFill>
+          <a:blip r:embed="rId2">
+            <a:extLst>
+              <a:ext uri="{28A0092B-C50C-407E-A947-70E740481C1C}">
+                <a14:useLocalDpi xmlns:a14="http://schemas.microsoft.com/office/drawing/2010/main" val="0"/>
+              </a:ext>
+            </a:extLst>
+          </a:blip>
+          <a:srcRect/>
+          <a:stretch>
+            <a:fillRect/>
+          </a:stretch>
+        </p:blipFill>
+        <p:spPr bwMode="auto">
+          <a:xfrm>
+            <a:off x="685801" y="1600918"/>
+            <a:ext cx="10854267" cy="4737888"/>
+          </a:xfrm>
+          <a:prstGeom prst="rect">
+            <a:avLst/>
+          </a:prstGeom>
+          <a:noFill/>
+          <a:extLst>
+            <a:ext uri="{909E8E84-426E-40DD-AFC4-6F175D3DCCD1}">
+              <a14:hiddenFill xmlns:a14="http://schemas.microsoft.com/office/drawing/2010/main">
+                <a:solidFill>
+                  <a:srgbClr val="FFFFFF"/>
+                </a:solidFill>
+              </a14:hiddenFill>
+            </a:ext>
+          </a:extLst>
+        </p:spPr>
+      </p:pic>
+    </p:spTree>
+    <p:extLst>
+      <p:ext uri="{BB962C8B-B14F-4D97-AF65-F5344CB8AC3E}">
+        <p14:creationId xmlns:p14="http://schemas.microsoft.com/office/powerpoint/2010/main" val="522887619"/>
+      </p:ext>
+    </p:extLst>
+  </p:cSld>
+  <p:clrMapOvr>
+    <a:masterClrMapping/>
+  </p:clrMapOvr>
+</p:sld>
+</file>
+
+<file path=ppt/slides/slide25.xml><?xml version="1.0" encoding="utf-8"?>
 <p:sld xmlns:a="http://schemas.openxmlformats.org/drawingml/2006/main" xmlns:r="http://schemas.openxmlformats.org/officeDocument/2006/relationships" xmlns:p="http://schemas.openxmlformats.org/presentationml/2006/main">
   <p:cSld>
     <p:spTree>
@@ -21555,6 +20183,15 @@
 </file>
 
 <file path=customXml/item1.xml><?xml version="1.0" encoding="utf-8"?>
+<p:properties xmlns:p="http://schemas.microsoft.com/office/2006/metadata/properties" xmlns:xsi="http://www.w3.org/2001/XMLSchema-instance" xmlns:pc="http://schemas.microsoft.com/office/infopath/2007/PartnerControls">
+  <documentManagement>
+    <MediaServiceKeyPoints xmlns="71af3243-3dd4-4a8d-8c0d-dd76da1f02a5" xsi:nil="true"/>
+    <Status xmlns="71af3243-3dd4-4a8d-8c0d-dd76da1f02a5">Not started</Status>
+  </documentManagement>
+</p:properties>
+</file>
+
+<file path=customXml/item2.xml><?xml version="1.0" encoding="utf-8"?>
 <?mso-contentType ?>
 <FormTemplates xmlns="http://schemas.microsoft.com/sharepoint/v3/contenttype/forms">
   <Display>DocumentLibraryForm</Display>
@@ -21563,7 +20200,7 @@
 </FormTemplates>
 </file>
 
-<file path=customXml/item2.xml><?xml version="1.0" encoding="utf-8"?>
+<file path=customXml/item3.xml><?xml version="1.0" encoding="utf-8"?>
 <ct:contentTypeSchema xmlns:ct="http://schemas.microsoft.com/office/2006/metadata/contentType" xmlns:ma="http://schemas.microsoft.com/office/2006/metadata/properties/metaAttributes" ct:_="" ma:_="" ma:contentTypeName="Document" ma:contentTypeID="0x01010079F111ED35F8CC479449609E8A0923A6" ma:contentTypeVersion="12" ma:contentTypeDescription="Create a new document." ma:contentTypeScope="" ma:versionID="b385d60f68dd989dca1fdc827799d853">
   <xsd:schema xmlns:xsd="http://www.w3.org/2001/XMLSchema" xmlns:xs="http://www.w3.org/2001/XMLSchema" xmlns:p="http://schemas.microsoft.com/office/2006/metadata/properties" xmlns:ns2="71af3243-3dd4-4a8d-8c0d-dd76da1f02a5" xmlns:ns3="16c05727-aa75-4e4a-9b5f-8a80a1165891" targetNamespace="http://schemas.microsoft.com/office/2006/metadata/properties" ma:root="true" ma:fieldsID="1911b479caf7b199da365455750e4572" ns2:_="" ns3:_="">
     <xsd:import namespace="71af3243-3dd4-4a8d-8c0d-dd76da1f02a5"/>
@@ -21784,16 +20421,17 @@
 </ct:contentTypeSchema>
 </file>
 
-<file path=customXml/item3.xml><?xml version="1.0" encoding="utf-8"?>
-<p:properties xmlns:p="http://schemas.microsoft.com/office/2006/metadata/properties" xmlns:xsi="http://www.w3.org/2001/XMLSchema-instance" xmlns:pc="http://schemas.microsoft.com/office/infopath/2007/PartnerControls">
-  <documentManagement>
-    <MediaServiceKeyPoints xmlns="71af3243-3dd4-4a8d-8c0d-dd76da1f02a5" xsi:nil="true"/>
-    <Status xmlns="71af3243-3dd4-4a8d-8c0d-dd76da1f02a5">Not started</Status>
-  </documentManagement>
-</p:properties>
+<file path=customXml/itemProps1.xml><?xml version="1.0" encoding="utf-8"?>
+<ds:datastoreItem xmlns:ds="http://schemas.openxmlformats.org/officeDocument/2006/customXml" ds:itemID="{4415B3C4-7FB6-414C-8C24-8862C0E6C9F3}">
+  <ds:schemaRefs>
+    <ds:schemaRef ds:uri="http://schemas.microsoft.com/office/2006/metadata/properties"/>
+    <ds:schemaRef ds:uri="http://schemas.microsoft.com/office/infopath/2007/PartnerControls"/>
+    <ds:schemaRef ds:uri="71af3243-3dd4-4a8d-8c0d-dd76da1f02a5"/>
+  </ds:schemaRefs>
+</ds:datastoreItem>
 </file>
 
-<file path=customXml/itemProps1.xml><?xml version="1.0" encoding="utf-8"?>
+<file path=customXml/itemProps2.xml><?xml version="1.0" encoding="utf-8"?>
 <ds:datastoreItem xmlns:ds="http://schemas.openxmlformats.org/officeDocument/2006/customXml" ds:itemID="{CE12C2FA-3740-4055-BA8A-74A1458F4A51}">
   <ds:schemaRefs>
     <ds:schemaRef ds:uri="http://schemas.microsoft.com/sharepoint/v3/contenttype/forms"/>
@@ -21801,7 +20439,7 @@
 </ds:datastoreItem>
 </file>
 
-<file path=customXml/itemProps2.xml><?xml version="1.0" encoding="utf-8"?>
+<file path=customXml/itemProps3.xml><?xml version="1.0" encoding="utf-8"?>
 <ds:datastoreItem xmlns:ds="http://schemas.openxmlformats.org/officeDocument/2006/customXml" ds:itemID="{0257C101-46E1-4CAE-AE60-1AB79022B7A9}">
   <ds:schemaRefs>
     <ds:schemaRef ds:uri="http://schemas.microsoft.com/office/2006/metadata/contentType"/>
@@ -21818,14 +20456,4 @@
     <ds:schemaRef ds:uri="http://schemas.microsoft.com/internal/obd"/>
   </ds:schemaRefs>
 </ds:datastoreItem>
-</file>
-
-<file path=customXml/itemProps3.xml><?xml version="1.0" encoding="utf-8"?>
-<ds:datastoreItem xmlns:ds="http://schemas.openxmlformats.org/officeDocument/2006/customXml" ds:itemID="{4415B3C4-7FB6-414C-8C24-8862C0E6C9F3}">
-  <ds:schemaRefs>
-    <ds:schemaRef ds:uri="http://schemas.microsoft.com/office/2006/metadata/properties"/>
-    <ds:schemaRef ds:uri="http://schemas.microsoft.com/office/infopath/2007/PartnerControls"/>
-    <ds:schemaRef ds:uri="71af3243-3dd4-4a8d-8c0d-dd76da1f02a5"/>
-  </ds:schemaRefs>
-</ds:datastoreItem>
 </file>